--- a/SSAFY_Project발표_GPT그만쓰조_231105_1010.pptx
+++ b/SSAFY_Project발표_GPT그만쓰조_231105_1010.pptx
@@ -1162,7 +1162,7 @@
         <p:spPr>
           <a:xfrm>
             <a:off x="631087" y="1211111"/>
-            <a:ext cx="10625025" cy="3139321"/>
+            <a:ext cx="10947228" cy="3139321"/>
           </a:xfrm>
           <a:prstGeom prst="rect">
             <a:avLst/>
@@ -1180,8 +1180,8 @@
                 <a:solidFill>
                   <a:schemeClr val="bg1"/>
                 </a:solidFill>
-                <a:latin typeface="+mj-ea"/>
-                <a:ea typeface="+mj-ea"/>
+                <a:latin typeface="맑은 고딕" panose="020B0503020000020004" pitchFamily="50" charset="-127"/>
+                <a:ea typeface="맑은 고딕" panose="020B0503020000020004" pitchFamily="50" charset="-127"/>
               </a:rPr>
               <a:t>반려동물 미용 예약 웹사이트</a:t>
             </a:r>
@@ -1189,8 +1189,8 @@
               <a:solidFill>
                 <a:schemeClr val="bg1"/>
               </a:solidFill>
-              <a:latin typeface="+mj-ea"/>
-              <a:ea typeface="+mj-ea"/>
+              <a:latin typeface="맑은 고딕" panose="020B0503020000020004" pitchFamily="50" charset="-127"/>
+              <a:ea typeface="맑은 고딕" panose="020B0503020000020004" pitchFamily="50" charset="-127"/>
             </a:endParaRPr>
           </a:p>
           <a:p>
@@ -1198,8 +1198,8 @@
               <a:solidFill>
                 <a:schemeClr val="bg1"/>
               </a:solidFill>
-              <a:latin typeface="+mj-ea"/>
-              <a:ea typeface="+mj-ea"/>
+              <a:latin typeface="맑은 고딕" panose="020B0503020000020004" pitchFamily="50" charset="-127"/>
+              <a:ea typeface="맑은 고딕" panose="020B0503020000020004" pitchFamily="50" charset="-127"/>
             </a:endParaRPr>
           </a:p>
           <a:p>
@@ -1209,8 +1209,8 @@
                 <a:solidFill>
                   <a:schemeClr val="bg1"/>
                 </a:solidFill>
-                <a:latin typeface="+mj-ea"/>
-                <a:ea typeface="+mj-ea"/>
+                <a:latin typeface="맑은 고딕" panose="020B0503020000020004" pitchFamily="50" charset="-127"/>
+                <a:ea typeface="맑은 고딕" panose="020B0503020000020004" pitchFamily="50" charset="-127"/>
               </a:rPr>
               <a:t>“Pet Grooming Hub”</a:t>
             </a:r>
@@ -1250,8 +1250,8 @@
                 <a:solidFill>
                   <a:schemeClr val="bg1"/>
                 </a:solidFill>
-                <a:latin typeface="+mj-ea"/>
-                <a:ea typeface="+mj-ea"/>
+                <a:latin typeface="맑은 고딕" panose="020B0503020000020004" pitchFamily="50" charset="-127"/>
+                <a:ea typeface="맑은 고딕" panose="020B0503020000020004" pitchFamily="50" charset="-127"/>
               </a:rPr>
               <a:t>GPT </a:t>
             </a:r>
@@ -1260,8 +1260,8 @@
                 <a:solidFill>
                   <a:schemeClr val="bg1"/>
                 </a:solidFill>
-                <a:latin typeface="+mj-ea"/>
-                <a:ea typeface="+mj-ea"/>
+                <a:latin typeface="맑은 고딕" panose="020B0503020000020004" pitchFamily="50" charset="-127"/>
+                <a:ea typeface="맑은 고딕" panose="020B0503020000020004" pitchFamily="50" charset="-127"/>
               </a:rPr>
               <a:t>그만 </a:t>
             </a:r>
@@ -1270,8 +1270,8 @@
                 <a:solidFill>
                   <a:schemeClr val="bg1"/>
                 </a:solidFill>
-                <a:latin typeface="+mj-ea"/>
-                <a:ea typeface="+mj-ea"/>
+                <a:latin typeface="맑은 고딕" panose="020B0503020000020004" pitchFamily="50" charset="-127"/>
+                <a:ea typeface="맑은 고딕" panose="020B0503020000020004" pitchFamily="50" charset="-127"/>
               </a:rPr>
               <a:t>쓰조</a:t>
             </a:r>
@@ -1280,8 +1280,8 @@
                 <a:solidFill>
                   <a:schemeClr val="bg1"/>
                 </a:solidFill>
-                <a:latin typeface="+mj-ea"/>
-                <a:ea typeface="+mj-ea"/>
+                <a:latin typeface="맑은 고딕" panose="020B0503020000020004" pitchFamily="50" charset="-127"/>
+                <a:ea typeface="맑은 고딕" panose="020B0503020000020004" pitchFamily="50" charset="-127"/>
               </a:rPr>
               <a:t> </a:t>
             </a:r>
@@ -1290,8 +1290,8 @@
                 <a:solidFill>
                   <a:schemeClr val="bg1"/>
                 </a:solidFill>
-                <a:latin typeface="+mj-ea"/>
-                <a:ea typeface="+mj-ea"/>
+                <a:latin typeface="맑은 고딕" panose="020B0503020000020004" pitchFamily="50" charset="-127"/>
+                <a:ea typeface="맑은 고딕" panose="020B0503020000020004" pitchFamily="50" charset="-127"/>
               </a:rPr>
               <a:t>-</a:t>
             </a:r>
@@ -1300,8 +1300,8 @@
                 <a:solidFill>
                   <a:schemeClr val="bg1"/>
                 </a:solidFill>
-                <a:latin typeface="+mj-ea"/>
-                <a:ea typeface="+mj-ea"/>
+                <a:latin typeface="맑은 고딕" panose="020B0503020000020004" pitchFamily="50" charset="-127"/>
+                <a:ea typeface="맑은 고딕" panose="020B0503020000020004" pitchFamily="50" charset="-127"/>
               </a:rPr>
               <a:t>이동혁</a:t>
             </a:r>
@@ -1310,8 +1310,8 @@
                 <a:solidFill>
                   <a:schemeClr val="bg1"/>
                 </a:solidFill>
-                <a:latin typeface="+mj-ea"/>
-                <a:ea typeface="+mj-ea"/>
+                <a:latin typeface="맑은 고딕" panose="020B0503020000020004" pitchFamily="50" charset="-127"/>
+                <a:ea typeface="맑은 고딕" panose="020B0503020000020004" pitchFamily="50" charset="-127"/>
               </a:rPr>
               <a:t>, </a:t>
             </a:r>
@@ -1320,8 +1320,8 @@
                 <a:solidFill>
                   <a:schemeClr val="bg1"/>
                 </a:solidFill>
-                <a:latin typeface="+mj-ea"/>
-                <a:ea typeface="+mj-ea"/>
+                <a:latin typeface="맑은 고딕" panose="020B0503020000020004" pitchFamily="50" charset="-127"/>
+                <a:ea typeface="맑은 고딕" panose="020B0503020000020004" pitchFamily="50" charset="-127"/>
               </a:rPr>
               <a:t>전은평</a:t>
             </a:r>
@@ -1329,8 +1329,8 @@
               <a:solidFill>
                 <a:schemeClr val="bg1"/>
               </a:solidFill>
-              <a:latin typeface="+mj-ea"/>
-              <a:ea typeface="+mj-ea"/>
+              <a:latin typeface="맑은 고딕" panose="020B0503020000020004" pitchFamily="50" charset="-127"/>
+              <a:ea typeface="맑은 고딕" panose="020B0503020000020004" pitchFamily="50" charset="-127"/>
             </a:endParaRPr>
           </a:p>
         </p:txBody>
@@ -1419,7 +1419,10 @@
           </a:bodyPr>
           <a:lstStyle/>
           <a:p>
-            <a:endParaRPr lang="en-US"/>
+            <a:endParaRPr lang="en-US">
+              <a:latin typeface="맑은 고딕" panose="020B0503020000020004" pitchFamily="50" charset="-127"/>
+              <a:ea typeface="맑은 고딕" panose="020B0503020000020004" pitchFamily="50" charset="-127"/>
+            </a:endParaRPr>
           </a:p>
         </p:txBody>
       </p:sp>
@@ -1464,7 +1467,10 @@
           </a:bodyPr>
           <a:lstStyle/>
           <a:p>
-            <a:endParaRPr lang="en-US"/>
+            <a:endParaRPr lang="en-US">
+              <a:latin typeface="맑은 고딕" panose="020B0503020000020004" pitchFamily="50" charset="-127"/>
+              <a:ea typeface="맑은 고딕" panose="020B0503020000020004" pitchFamily="50" charset="-127"/>
+            </a:endParaRPr>
           </a:p>
         </p:txBody>
       </p:sp>
@@ -1509,7 +1515,10 @@
           </a:bodyPr>
           <a:lstStyle/>
           <a:p>
-            <a:endParaRPr lang="en-US"/>
+            <a:endParaRPr lang="en-US">
+              <a:latin typeface="맑은 고딕" panose="020B0503020000020004" pitchFamily="50" charset="-127"/>
+              <a:ea typeface="맑은 고딕" panose="020B0503020000020004" pitchFamily="50" charset="-127"/>
+            </a:endParaRPr>
           </a:p>
         </p:txBody>
       </p:sp>
@@ -1658,8 +1667,8 @@
                 <a:solidFill>
                   <a:schemeClr val="accent1"/>
                 </a:solidFill>
-                <a:latin typeface="+mj-ea"/>
-                <a:ea typeface="+mj-ea"/>
+                <a:latin typeface="맑은 고딕" panose="020B0503020000020004" pitchFamily="50" charset="-127"/>
+                <a:ea typeface="맑은 고딕" panose="020B0503020000020004" pitchFamily="50" charset="-127"/>
               </a:rPr>
               <a:t>Part 3</a:t>
             </a:r>
@@ -1667,8 +1676,8 @@
               <a:solidFill>
                 <a:schemeClr val="accent1"/>
               </a:solidFill>
-              <a:latin typeface="+mj-ea"/>
-              <a:ea typeface="+mj-ea"/>
+              <a:latin typeface="맑은 고딕" panose="020B0503020000020004" pitchFamily="50" charset="-127"/>
+              <a:ea typeface="맑은 고딕" panose="020B0503020000020004" pitchFamily="50" charset="-127"/>
             </a:endParaRPr>
           </a:p>
         </p:txBody>
@@ -1706,8 +1715,8 @@
                 <a:solidFill>
                   <a:schemeClr val="accent1"/>
                 </a:solidFill>
-                <a:latin typeface="+mj-ea"/>
-                <a:ea typeface="+mj-ea"/>
+                <a:latin typeface="맑은 고딕" panose="020B0503020000020004" pitchFamily="50" charset="-127"/>
+                <a:ea typeface="맑은 고딕" panose="020B0503020000020004" pitchFamily="50" charset="-127"/>
               </a:rPr>
               <a:t>예상 효과</a:t>
             </a:r>
@@ -1798,8 +1807,8 @@
           <a:p>
             <a:pPr algn="ctr"/>
             <a:endParaRPr lang="ko-KR" altLang="en-US">
-              <a:latin typeface="+mj-ea"/>
-              <a:ea typeface="+mj-ea"/>
+              <a:latin typeface="맑은 고딕" panose="020B0503020000020004" pitchFamily="50" charset="-127"/>
+              <a:ea typeface="맑은 고딕" panose="020B0503020000020004" pitchFamily="50" charset="-127"/>
             </a:endParaRPr>
           </a:p>
         </p:txBody>
@@ -1834,55 +1843,55 @@
           <a:p>
             <a:r>
               <a:rPr lang="ko-KR" altLang="en-US" sz="2400" b="1" dirty="0">
-                <a:latin typeface="+mj-ea"/>
-                <a:ea typeface="+mj-ea"/>
+                <a:latin typeface="맑은 고딕" panose="020B0503020000020004" pitchFamily="50" charset="-127"/>
+                <a:ea typeface="맑은 고딕" panose="020B0503020000020004" pitchFamily="50" charset="-127"/>
               </a:rPr>
               <a:t>사용자  </a:t>
             </a:r>
             <a:r>
               <a:rPr lang="en-US" altLang="ko-KR" sz="2400" b="1" dirty="0">
-                <a:latin typeface="+mj-ea"/>
-                <a:ea typeface="+mj-ea"/>
+                <a:latin typeface="맑은 고딕" panose="020B0503020000020004" pitchFamily="50" charset="-127"/>
+                <a:ea typeface="맑은 고딕" panose="020B0503020000020004" pitchFamily="50" charset="-127"/>
               </a:rPr>
               <a:t>: </a:t>
             </a:r>
             <a:r>
               <a:rPr lang="ko-KR" altLang="en-US" sz="2400" b="1" dirty="0">
-                <a:latin typeface="+mj-ea"/>
-                <a:ea typeface="+mj-ea"/>
+                <a:latin typeface="맑은 고딕" panose="020B0503020000020004" pitchFamily="50" charset="-127"/>
+                <a:ea typeface="맑은 고딕" panose="020B0503020000020004" pitchFamily="50" charset="-127"/>
               </a:rPr>
               <a:t>데이터 기반의 의사결정 가능</a:t>
             </a:r>
             <a:endParaRPr lang="en-US" altLang="ko-KR" sz="2400" b="1" dirty="0">
-              <a:latin typeface="+mj-ea"/>
-              <a:ea typeface="+mj-ea"/>
+              <a:latin typeface="맑은 고딕" panose="020B0503020000020004" pitchFamily="50" charset="-127"/>
+              <a:ea typeface="맑은 고딕" panose="020B0503020000020004" pitchFamily="50" charset="-127"/>
             </a:endParaRPr>
           </a:p>
           <a:p>
             <a:endParaRPr lang="en-US" altLang="ko-KR" sz="2400" b="1" dirty="0">
-              <a:latin typeface="+mj-ea"/>
-              <a:ea typeface="+mj-ea"/>
+              <a:latin typeface="맑은 고딕" panose="020B0503020000020004" pitchFamily="50" charset="-127"/>
+              <a:ea typeface="맑은 고딕" panose="020B0503020000020004" pitchFamily="50" charset="-127"/>
             </a:endParaRPr>
           </a:p>
           <a:p>
             <a:r>
               <a:rPr lang="ko-KR" altLang="en-US" sz="2400" b="1" dirty="0">
-                <a:latin typeface="+mj-ea"/>
-                <a:ea typeface="+mj-ea"/>
+                <a:latin typeface="맑은 고딕" panose="020B0503020000020004" pitchFamily="50" charset="-127"/>
+                <a:ea typeface="맑은 고딕" panose="020B0503020000020004" pitchFamily="50" charset="-127"/>
               </a:rPr>
               <a:t>판매자  </a:t>
             </a:r>
             <a:r>
               <a:rPr lang="en-US" altLang="ko-KR" sz="2400" b="1" dirty="0">
-                <a:latin typeface="+mj-ea"/>
-                <a:ea typeface="+mj-ea"/>
+                <a:latin typeface="맑은 고딕" panose="020B0503020000020004" pitchFamily="50" charset="-127"/>
+                <a:ea typeface="맑은 고딕" panose="020B0503020000020004" pitchFamily="50" charset="-127"/>
               </a:rPr>
               <a:t>: </a:t>
             </a:r>
             <a:r>
               <a:rPr lang="ko-KR" altLang="en-US" sz="2400" b="1" dirty="0">
-                <a:latin typeface="+mj-ea"/>
-                <a:ea typeface="+mj-ea"/>
+                <a:latin typeface="맑은 고딕" panose="020B0503020000020004" pitchFamily="50" charset="-127"/>
+                <a:ea typeface="맑은 고딕" panose="020B0503020000020004" pitchFamily="50" charset="-127"/>
               </a:rPr>
               <a:t>예약시스템을 통한 매출관리 편의성 증가 </a:t>
             </a:r>
@@ -1890,8 +1899,8 @@
           <a:p>
             <a:r>
               <a:rPr lang="ko-KR" altLang="en-US" sz="2400" b="1" dirty="0">
-                <a:latin typeface="+mj-ea"/>
-                <a:ea typeface="+mj-ea"/>
+                <a:latin typeface="맑은 고딕" panose="020B0503020000020004" pitchFamily="50" charset="-127"/>
+                <a:ea typeface="맑은 고딕" panose="020B0503020000020004" pitchFamily="50" charset="-127"/>
               </a:rPr>
               <a:t> </a:t>
             </a:r>
@@ -2067,8 +2076,8 @@
                 <a:solidFill>
                   <a:schemeClr val="accent1"/>
                 </a:solidFill>
-                <a:latin typeface="+mj-ea"/>
-                <a:ea typeface="+mj-ea"/>
+                <a:latin typeface="맑은 고딕" panose="020B0503020000020004" pitchFamily="50" charset="-127"/>
+                <a:ea typeface="맑은 고딕" panose="020B0503020000020004" pitchFamily="50" charset="-127"/>
               </a:rPr>
               <a:t>Part 3</a:t>
             </a:r>
@@ -2076,8 +2085,8 @@
               <a:solidFill>
                 <a:schemeClr val="accent1"/>
               </a:solidFill>
-              <a:latin typeface="+mj-ea"/>
-              <a:ea typeface="+mj-ea"/>
+              <a:latin typeface="맑은 고딕" panose="020B0503020000020004" pitchFamily="50" charset="-127"/>
+              <a:ea typeface="맑은 고딕" panose="020B0503020000020004" pitchFamily="50" charset="-127"/>
             </a:endParaRPr>
           </a:p>
         </p:txBody>
@@ -2115,8 +2124,8 @@
                 <a:solidFill>
                   <a:schemeClr val="accent1"/>
                 </a:solidFill>
-                <a:latin typeface="+mj-ea"/>
-                <a:ea typeface="+mj-ea"/>
+                <a:latin typeface="맑은 고딕" panose="020B0503020000020004" pitchFamily="50" charset="-127"/>
+                <a:ea typeface="맑은 고딕" panose="020B0503020000020004" pitchFamily="50" charset="-127"/>
               </a:rPr>
               <a:t>예상 효과</a:t>
             </a:r>
@@ -2207,8 +2216,8 @@
           <a:p>
             <a:pPr algn="ctr"/>
             <a:endParaRPr lang="ko-KR" altLang="en-US">
-              <a:latin typeface="+mj-ea"/>
-              <a:ea typeface="+mj-ea"/>
+              <a:latin typeface="맑은 고딕" panose="020B0503020000020004" pitchFamily="50" charset="-127"/>
+              <a:ea typeface="맑은 고딕" panose="020B0503020000020004" pitchFamily="50" charset="-127"/>
             </a:endParaRPr>
           </a:p>
         </p:txBody>
@@ -2243,118 +2252,118 @@
           <a:p>
             <a:r>
               <a:rPr lang="ko-KR" altLang="en-US" sz="2400" b="1" dirty="0">
-                <a:latin typeface="+mj-ea"/>
-                <a:ea typeface="+mj-ea"/>
+                <a:latin typeface="맑은 고딕" panose="020B0503020000020004" pitchFamily="50" charset="-127"/>
+                <a:ea typeface="맑은 고딕" panose="020B0503020000020004" pitchFamily="50" charset="-127"/>
               </a:rPr>
               <a:t>사용자 관리</a:t>
             </a:r>
             <a:r>
               <a:rPr lang="en-US" altLang="ko-KR" sz="2400" b="1" dirty="0">
-                <a:latin typeface="+mj-ea"/>
-                <a:ea typeface="+mj-ea"/>
+                <a:latin typeface="맑은 고딕" panose="020B0503020000020004" pitchFamily="50" charset="-127"/>
+                <a:ea typeface="맑은 고딕" panose="020B0503020000020004" pitchFamily="50" charset="-127"/>
               </a:rPr>
               <a:t>	: </a:t>
             </a:r>
             <a:r>
               <a:rPr lang="ko-KR" altLang="en-US" sz="2400" b="1" dirty="0">
-                <a:latin typeface="+mj-ea"/>
-                <a:ea typeface="+mj-ea"/>
+                <a:latin typeface="맑은 고딕" panose="020B0503020000020004" pitchFamily="50" charset="-127"/>
+                <a:ea typeface="맑은 고딕" panose="020B0503020000020004" pitchFamily="50" charset="-127"/>
               </a:rPr>
               <a:t>회원가입</a:t>
             </a:r>
             <a:r>
               <a:rPr lang="en-US" altLang="ko-KR" sz="2400" b="1" dirty="0">
-                <a:latin typeface="+mj-ea"/>
-                <a:ea typeface="+mj-ea"/>
+                <a:latin typeface="맑은 고딕" panose="020B0503020000020004" pitchFamily="50" charset="-127"/>
+                <a:ea typeface="맑은 고딕" panose="020B0503020000020004" pitchFamily="50" charset="-127"/>
               </a:rPr>
               <a:t>, </a:t>
             </a:r>
             <a:r>
               <a:rPr lang="ko-KR" altLang="en-US" sz="2400" b="1" dirty="0">
-                <a:latin typeface="+mj-ea"/>
-                <a:ea typeface="+mj-ea"/>
+                <a:latin typeface="맑은 고딕" panose="020B0503020000020004" pitchFamily="50" charset="-127"/>
+                <a:ea typeface="맑은 고딕" panose="020B0503020000020004" pitchFamily="50" charset="-127"/>
               </a:rPr>
               <a:t>프로필</a:t>
             </a:r>
             <a:endParaRPr lang="en-US" altLang="ko-KR" sz="2400" b="1" dirty="0">
-              <a:latin typeface="+mj-ea"/>
-              <a:ea typeface="+mj-ea"/>
+              <a:latin typeface="맑은 고딕" panose="020B0503020000020004" pitchFamily="50" charset="-127"/>
+              <a:ea typeface="맑은 고딕" panose="020B0503020000020004" pitchFamily="50" charset="-127"/>
             </a:endParaRPr>
           </a:p>
           <a:p>
             <a:r>
               <a:rPr lang="ko-KR" altLang="en-US" sz="2400" b="1" dirty="0">
-                <a:latin typeface="+mj-ea"/>
-                <a:ea typeface="+mj-ea"/>
+                <a:latin typeface="맑은 고딕" panose="020B0503020000020004" pitchFamily="50" charset="-127"/>
+                <a:ea typeface="맑은 고딕" panose="020B0503020000020004" pitchFamily="50" charset="-127"/>
               </a:rPr>
               <a:t>예약 관리 </a:t>
             </a:r>
             <a:r>
               <a:rPr lang="en-US" altLang="ko-KR" sz="2400" b="1" dirty="0">
-                <a:latin typeface="+mj-ea"/>
-                <a:ea typeface="+mj-ea"/>
+                <a:latin typeface="맑은 고딕" panose="020B0503020000020004" pitchFamily="50" charset="-127"/>
+                <a:ea typeface="맑은 고딕" panose="020B0503020000020004" pitchFamily="50" charset="-127"/>
               </a:rPr>
               <a:t>	: </a:t>
             </a:r>
             <a:r>
               <a:rPr lang="ko-KR" altLang="en-US" sz="2400" b="1" dirty="0">
-                <a:latin typeface="+mj-ea"/>
-                <a:ea typeface="+mj-ea"/>
+                <a:latin typeface="맑은 고딕" panose="020B0503020000020004" pitchFamily="50" charset="-127"/>
+                <a:ea typeface="맑은 고딕" panose="020B0503020000020004" pitchFamily="50" charset="-127"/>
               </a:rPr>
               <a:t>예약 취소 기능 </a:t>
             </a:r>
             <a:r>
               <a:rPr lang="en-US" altLang="ko-KR" sz="2400" b="1" dirty="0">
-                <a:latin typeface="+mj-ea"/>
-                <a:ea typeface="+mj-ea"/>
+                <a:latin typeface="맑은 고딕" panose="020B0503020000020004" pitchFamily="50" charset="-127"/>
+                <a:ea typeface="맑은 고딕" panose="020B0503020000020004" pitchFamily="50" charset="-127"/>
               </a:rPr>
               <a:t>/ </a:t>
             </a:r>
             <a:r>
               <a:rPr lang="ko-KR" altLang="en-US" sz="2400" b="1" dirty="0">
-                <a:latin typeface="+mj-ea"/>
-                <a:ea typeface="+mj-ea"/>
+                <a:latin typeface="맑은 고딕" panose="020B0503020000020004" pitchFamily="50" charset="-127"/>
+                <a:ea typeface="맑은 고딕" panose="020B0503020000020004" pitchFamily="50" charset="-127"/>
               </a:rPr>
               <a:t>예약 내역 표시</a:t>
             </a:r>
             <a:endParaRPr lang="en-US" altLang="ko-KR" sz="2400" b="1" dirty="0">
-              <a:latin typeface="+mj-ea"/>
-              <a:ea typeface="+mj-ea"/>
+              <a:latin typeface="맑은 고딕" panose="020B0503020000020004" pitchFamily="50" charset="-127"/>
+              <a:ea typeface="맑은 고딕" panose="020B0503020000020004" pitchFamily="50" charset="-127"/>
             </a:endParaRPr>
           </a:p>
           <a:p>
             <a:r>
               <a:rPr lang="ko-KR" altLang="en-US" sz="2400" b="1" dirty="0">
-                <a:latin typeface="+mj-ea"/>
-                <a:ea typeface="+mj-ea"/>
+                <a:latin typeface="맑은 고딕" panose="020B0503020000020004" pitchFamily="50" charset="-127"/>
+                <a:ea typeface="맑은 고딕" panose="020B0503020000020004" pitchFamily="50" charset="-127"/>
               </a:rPr>
               <a:t>리뷰 관리</a:t>
             </a:r>
             <a:r>
               <a:rPr lang="en-US" altLang="ko-KR" sz="2400" b="1" dirty="0">
-                <a:latin typeface="+mj-ea"/>
-                <a:ea typeface="+mj-ea"/>
+                <a:latin typeface="맑은 고딕" panose="020B0503020000020004" pitchFamily="50" charset="-127"/>
+                <a:ea typeface="맑은 고딕" panose="020B0503020000020004" pitchFamily="50" charset="-127"/>
               </a:rPr>
               <a:t>	: </a:t>
             </a:r>
             <a:r>
               <a:rPr lang="ko-KR" altLang="en-US" sz="2400" b="1" dirty="0">
-                <a:latin typeface="+mj-ea"/>
-                <a:ea typeface="+mj-ea"/>
+                <a:latin typeface="맑은 고딕" panose="020B0503020000020004" pitchFamily="50" charset="-127"/>
+                <a:ea typeface="맑은 고딕" panose="020B0503020000020004" pitchFamily="50" charset="-127"/>
               </a:rPr>
               <a:t>리뷰 작성 및 </a:t>
             </a:r>
             <a:r>
               <a:rPr lang="ko-KR" altLang="en-US" sz="2400" b="1" dirty="0" err="1">
-                <a:latin typeface="+mj-ea"/>
-                <a:ea typeface="+mj-ea"/>
+                <a:latin typeface="맑은 고딕" panose="020B0503020000020004" pitchFamily="50" charset="-127"/>
+                <a:ea typeface="맑은 고딕" panose="020B0503020000020004" pitchFamily="50" charset="-127"/>
               </a:rPr>
               <a:t>별점</a:t>
             </a:r>
             <a:r>
               <a:rPr lang="ko-KR" altLang="en-US" sz="2400" b="1" dirty="0">
-                <a:latin typeface="+mj-ea"/>
-                <a:ea typeface="+mj-ea"/>
+                <a:latin typeface="맑은 고딕" panose="020B0503020000020004" pitchFamily="50" charset="-127"/>
+                <a:ea typeface="맑은 고딕" panose="020B0503020000020004" pitchFamily="50" charset="-127"/>
               </a:rPr>
               <a:t> 기능</a:t>
             </a:r>
@@ -2571,9 +2580,9 @@
         <p:grpSpPr>
           <a:xfrm>
             <a:off x="6817895" y="872277"/>
-            <a:ext cx="5431295" cy="4483771"/>
+            <a:ext cx="5745484" cy="4483771"/>
             <a:chOff x="6817895" y="310803"/>
-            <a:chExt cx="5431295" cy="4483771"/>
+            <a:chExt cx="5745484" cy="4483771"/>
           </a:xfrm>
         </p:grpSpPr>
         <p:sp>
@@ -2609,8 +2618,8 @@
                   <a:solidFill>
                     <a:schemeClr val="bg1"/>
                   </a:solidFill>
-                  <a:latin typeface="+mj-ea"/>
-                  <a:ea typeface="+mj-ea"/>
+                  <a:latin typeface="맑은 고딕" panose="020B0503020000020004" pitchFamily="50" charset="-127"/>
+                  <a:ea typeface="맑은 고딕" panose="020B0503020000020004" pitchFamily="50" charset="-127"/>
                 </a:rPr>
                 <a:t>4</a:t>
               </a:r>
@@ -2618,8 +2627,8 @@
                 <a:solidFill>
                   <a:schemeClr val="bg1"/>
                 </a:solidFill>
-                <a:latin typeface="+mj-ea"/>
-                <a:ea typeface="+mj-ea"/>
+                <a:latin typeface="맑은 고딕" panose="020B0503020000020004" pitchFamily="50" charset="-127"/>
+                <a:ea typeface="맑은 고딕" panose="020B0503020000020004" pitchFamily="50" charset="-127"/>
               </a:endParaRPr>
             </a:p>
           </p:txBody>
@@ -2639,7 +2648,7 @@
           <p:spPr>
             <a:xfrm>
               <a:off x="6817895" y="3350782"/>
-              <a:ext cx="5431295" cy="830997"/>
+              <a:ext cx="5745484" cy="830997"/>
             </a:xfrm>
             <a:prstGeom prst="rect">
               <a:avLst/>
@@ -2657,7 +2666,8 @@
                   <a:solidFill>
                     <a:schemeClr val="bg1"/>
                   </a:solidFill>
-                  <a:latin typeface="+mn-ea"/>
+                  <a:latin typeface="맑은 고딕" panose="020B0503020000020004" pitchFamily="50" charset="-127"/>
+                  <a:ea typeface="맑은 고딕" panose="020B0503020000020004" pitchFamily="50" charset="-127"/>
                 </a:rPr>
                 <a:t>기능 명세</a:t>
               </a:r>
@@ -2666,7 +2676,8 @@
                   <a:solidFill>
                     <a:schemeClr val="bg1"/>
                   </a:solidFill>
-                  <a:latin typeface="+mn-ea"/>
+                  <a:latin typeface="맑은 고딕" panose="020B0503020000020004" pitchFamily="50" charset="-127"/>
+                  <a:ea typeface="맑은 고딕" panose="020B0503020000020004" pitchFamily="50" charset="-127"/>
                 </a:rPr>
                 <a:t>/  </a:t>
               </a:r>
@@ -2675,7 +2686,8 @@
                   <a:solidFill>
                     <a:schemeClr val="bg1"/>
                   </a:solidFill>
-                  <a:latin typeface="+mn-ea"/>
+                  <a:latin typeface="맑은 고딕" panose="020B0503020000020004" pitchFamily="50" charset="-127"/>
+                  <a:ea typeface="맑은 고딕" panose="020B0503020000020004" pitchFamily="50" charset="-127"/>
                 </a:rPr>
                 <a:t>기술 스택</a:t>
               </a:r>
@@ -3475,8 +3487,8 @@
                 <a:solidFill>
                   <a:schemeClr val="accent1"/>
                 </a:solidFill>
-                <a:latin typeface="+mj-ea"/>
-                <a:ea typeface="+mj-ea"/>
+                <a:latin typeface="맑은 고딕" panose="020B0503020000020004" pitchFamily="50" charset="-127"/>
+                <a:ea typeface="맑은 고딕" panose="020B0503020000020004" pitchFamily="50" charset="-127"/>
               </a:rPr>
               <a:t>Part 4</a:t>
             </a:r>
@@ -3484,8 +3496,8 @@
               <a:solidFill>
                 <a:schemeClr val="accent1"/>
               </a:solidFill>
-              <a:latin typeface="+mj-ea"/>
-              <a:ea typeface="+mj-ea"/>
+              <a:latin typeface="맑은 고딕" panose="020B0503020000020004" pitchFamily="50" charset="-127"/>
+              <a:ea typeface="맑은 고딕" panose="020B0503020000020004" pitchFamily="50" charset="-127"/>
             </a:endParaRPr>
           </a:p>
         </p:txBody>
@@ -3523,8 +3535,8 @@
                 <a:solidFill>
                   <a:schemeClr val="accent1"/>
                 </a:solidFill>
-                <a:latin typeface="+mj-ea"/>
-                <a:ea typeface="+mj-ea"/>
+                <a:latin typeface="맑은 고딕" panose="020B0503020000020004" pitchFamily="50" charset="-127"/>
+                <a:ea typeface="맑은 고딕" panose="020B0503020000020004" pitchFamily="50" charset="-127"/>
               </a:rPr>
               <a:t>기술 스택</a:t>
             </a:r>
@@ -3615,8 +3627,8 @@
           <a:p>
             <a:pPr algn="ctr"/>
             <a:endParaRPr lang="ko-KR" altLang="en-US">
-              <a:latin typeface="+mj-ea"/>
-              <a:ea typeface="+mj-ea"/>
+              <a:latin typeface="맑은 고딕" panose="020B0503020000020004" pitchFamily="50" charset="-127"/>
+              <a:ea typeface="맑은 고딕" panose="020B0503020000020004" pitchFamily="50" charset="-127"/>
             </a:endParaRPr>
           </a:p>
         </p:txBody>
@@ -3651,22 +3663,22 @@
           <a:p>
             <a:r>
               <a:rPr lang="en-US" altLang="ko-KR" sz="2400" b="1" dirty="0">
-                <a:latin typeface="+mj-ea"/>
-                <a:ea typeface="+mj-ea"/>
+                <a:latin typeface="맑은 고딕" panose="020B0503020000020004" pitchFamily="50" charset="-127"/>
+                <a:ea typeface="맑은 고딕" panose="020B0503020000020004" pitchFamily="50" charset="-127"/>
               </a:rPr>
               <a:t>Spring : </a:t>
             </a:r>
             <a:r>
               <a:rPr lang="ko-KR" altLang="en-US" sz="2400" b="1" dirty="0" err="1">
-                <a:latin typeface="+mj-ea"/>
-                <a:ea typeface="+mj-ea"/>
+                <a:latin typeface="맑은 고딕" panose="020B0503020000020004" pitchFamily="50" charset="-127"/>
+                <a:ea typeface="맑은 고딕" panose="020B0503020000020004" pitchFamily="50" charset="-127"/>
               </a:rPr>
               <a:t>백엔드</a:t>
             </a:r>
             <a:r>
               <a:rPr lang="ko-KR" altLang="en-US" sz="2400" b="1" dirty="0">
-                <a:latin typeface="+mj-ea"/>
-                <a:ea typeface="+mj-ea"/>
+                <a:latin typeface="맑은 고딕" panose="020B0503020000020004" pitchFamily="50" charset="-127"/>
+                <a:ea typeface="맑은 고딕" panose="020B0503020000020004" pitchFamily="50" charset="-127"/>
               </a:rPr>
               <a:t> 서버 및 비즈니스 로직 구현</a:t>
             </a:r>
@@ -3674,15 +3686,15 @@
           <a:p>
             <a:r>
               <a:rPr lang="en-US" altLang="ko-KR" sz="2400" b="1" dirty="0">
-                <a:latin typeface="+mj-ea"/>
-                <a:ea typeface="+mj-ea"/>
+                <a:latin typeface="맑은 고딕" panose="020B0503020000020004" pitchFamily="50" charset="-127"/>
+                <a:ea typeface="맑은 고딕" panose="020B0503020000020004" pitchFamily="50" charset="-127"/>
               </a:rPr>
               <a:t>MySQL : </a:t>
             </a:r>
             <a:r>
               <a:rPr lang="ko-KR" altLang="en-US" sz="2400" b="1" dirty="0">
-                <a:latin typeface="+mj-ea"/>
-                <a:ea typeface="+mj-ea"/>
+                <a:latin typeface="맑은 고딕" panose="020B0503020000020004" pitchFamily="50" charset="-127"/>
+                <a:ea typeface="맑은 고딕" panose="020B0503020000020004" pitchFamily="50" charset="-127"/>
               </a:rPr>
               <a:t>데이터베이스 스키마 및 쿼리 구현</a:t>
             </a:r>
@@ -3690,54 +3702,54 @@
           <a:p>
             <a:r>
               <a:rPr lang="en-US" altLang="ko-KR" sz="2400" b="1" dirty="0">
-                <a:latin typeface="+mj-ea"/>
-                <a:ea typeface="+mj-ea"/>
+                <a:latin typeface="맑은 고딕" panose="020B0503020000020004" pitchFamily="50" charset="-127"/>
+                <a:ea typeface="맑은 고딕" panose="020B0503020000020004" pitchFamily="50" charset="-127"/>
               </a:rPr>
               <a:t>Vue.js : </a:t>
             </a:r>
             <a:r>
               <a:rPr lang="ko-KR" altLang="en-US" sz="2400" b="1" dirty="0" err="1">
-                <a:latin typeface="+mj-ea"/>
-                <a:ea typeface="+mj-ea"/>
+                <a:latin typeface="맑은 고딕" panose="020B0503020000020004" pitchFamily="50" charset="-127"/>
+                <a:ea typeface="맑은 고딕" panose="020B0503020000020004" pitchFamily="50" charset="-127"/>
               </a:rPr>
               <a:t>프론트엔드</a:t>
             </a:r>
             <a:r>
               <a:rPr lang="ko-KR" altLang="en-US" sz="2400" b="1" dirty="0">
-                <a:latin typeface="+mj-ea"/>
-                <a:ea typeface="+mj-ea"/>
+                <a:latin typeface="맑은 고딕" panose="020B0503020000020004" pitchFamily="50" charset="-127"/>
+                <a:ea typeface="맑은 고딕" panose="020B0503020000020004" pitchFamily="50" charset="-127"/>
               </a:rPr>
               <a:t> 사용자 인터페이스 및 기능 구현</a:t>
             </a:r>
           </a:p>
           <a:p>
             <a:endParaRPr lang="ko-KR" altLang="en-US" sz="2400" b="1" dirty="0">
-              <a:latin typeface="+mj-ea"/>
-              <a:ea typeface="+mj-ea"/>
+              <a:latin typeface="맑은 고딕" panose="020B0503020000020004" pitchFamily="50" charset="-127"/>
+              <a:ea typeface="맑은 고딕" panose="020B0503020000020004" pitchFamily="50" charset="-127"/>
             </a:endParaRPr>
           </a:p>
           <a:p>
             <a:endParaRPr lang="ko-KR" altLang="en-US" sz="2400" b="1" dirty="0">
-              <a:latin typeface="+mj-ea"/>
-              <a:ea typeface="+mj-ea"/>
+              <a:latin typeface="맑은 고딕" panose="020B0503020000020004" pitchFamily="50" charset="-127"/>
+              <a:ea typeface="맑은 고딕" panose="020B0503020000020004" pitchFamily="50" charset="-127"/>
             </a:endParaRPr>
           </a:p>
           <a:p>
             <a:endParaRPr lang="ko-KR" altLang="en-US" sz="2400" b="1" dirty="0">
-              <a:latin typeface="+mj-ea"/>
-              <a:ea typeface="+mj-ea"/>
+              <a:latin typeface="맑은 고딕" panose="020B0503020000020004" pitchFamily="50" charset="-127"/>
+              <a:ea typeface="맑은 고딕" panose="020B0503020000020004" pitchFamily="50" charset="-127"/>
             </a:endParaRPr>
           </a:p>
           <a:p>
             <a:endParaRPr lang="ko-KR" altLang="en-US" sz="2400" b="1" dirty="0">
-              <a:latin typeface="+mj-ea"/>
-              <a:ea typeface="+mj-ea"/>
+              <a:latin typeface="맑은 고딕" panose="020B0503020000020004" pitchFamily="50" charset="-127"/>
+              <a:ea typeface="맑은 고딕" panose="020B0503020000020004" pitchFamily="50" charset="-127"/>
             </a:endParaRPr>
           </a:p>
           <a:p>
             <a:endParaRPr lang="ko-KR" altLang="en-US" sz="2400" b="1" dirty="0">
-              <a:latin typeface="+mj-ea"/>
-              <a:ea typeface="+mj-ea"/>
+              <a:latin typeface="맑은 고딕" panose="020B0503020000020004" pitchFamily="50" charset="-127"/>
+              <a:ea typeface="맑은 고딕" panose="020B0503020000020004" pitchFamily="50" charset="-127"/>
             </a:endParaRPr>
           </a:p>
         </p:txBody>
@@ -3974,8 +3986,8 @@
                   <a:solidFill>
                     <a:schemeClr val="bg1"/>
                   </a:solidFill>
-                  <a:latin typeface="+mj-ea"/>
-                  <a:ea typeface="+mj-ea"/>
+                  <a:latin typeface="맑은 고딕" panose="020B0503020000020004" pitchFamily="50" charset="-127"/>
+                  <a:ea typeface="맑은 고딕" panose="020B0503020000020004" pitchFamily="50" charset="-127"/>
                 </a:rPr>
                 <a:t>5</a:t>
               </a:r>
@@ -3983,8 +3995,8 @@
                 <a:solidFill>
                   <a:schemeClr val="bg1"/>
                 </a:solidFill>
-                <a:latin typeface="+mj-ea"/>
-                <a:ea typeface="+mj-ea"/>
+                <a:latin typeface="맑은 고딕" panose="020B0503020000020004" pitchFamily="50" charset="-127"/>
+                <a:ea typeface="맑은 고딕" panose="020B0503020000020004" pitchFamily="50" charset="-127"/>
               </a:endParaRPr>
             </a:p>
           </p:txBody>
@@ -4022,8 +4034,8 @@
                   <a:solidFill>
                     <a:schemeClr val="bg1"/>
                   </a:solidFill>
-                  <a:latin typeface="+mj-ea"/>
-                  <a:ea typeface="+mj-ea"/>
+                  <a:latin typeface="맑은 고딕" panose="020B0503020000020004" pitchFamily="50" charset="-127"/>
+                  <a:ea typeface="맑은 고딕" panose="020B0503020000020004" pitchFamily="50" charset="-127"/>
                 </a:rPr>
                 <a:t>일정 및 마일스톤</a:t>
               </a:r>
@@ -4032,8 +4044,8 @@
                   <a:solidFill>
                     <a:schemeClr val="bg1"/>
                   </a:solidFill>
-                  <a:latin typeface="+mj-ea"/>
-                  <a:ea typeface="+mj-ea"/>
+                  <a:latin typeface="맑은 고딕" panose="020B0503020000020004" pitchFamily="50" charset="-127"/>
+                  <a:ea typeface="맑은 고딕" panose="020B0503020000020004" pitchFamily="50" charset="-127"/>
                 </a:rPr>
                 <a:t>, </a:t>
               </a:r>
@@ -4042,8 +4054,8 @@
                   <a:solidFill>
                     <a:schemeClr val="bg1"/>
                   </a:solidFill>
-                  <a:latin typeface="+mj-ea"/>
-                  <a:ea typeface="+mj-ea"/>
+                  <a:latin typeface="맑은 고딕" panose="020B0503020000020004" pitchFamily="50" charset="-127"/>
+                  <a:ea typeface="맑은 고딕" panose="020B0503020000020004" pitchFamily="50" charset="-127"/>
                 </a:rPr>
                 <a:t>리소스</a:t>
               </a:r>
@@ -4211,8 +4223,8 @@
                 <a:solidFill>
                   <a:schemeClr val="accent1"/>
                 </a:solidFill>
-                <a:latin typeface="+mj-ea"/>
-                <a:ea typeface="+mj-ea"/>
+                <a:latin typeface="맑은 고딕" panose="020B0503020000020004" pitchFamily="50" charset="-127"/>
+                <a:ea typeface="맑은 고딕" panose="020B0503020000020004" pitchFamily="50" charset="-127"/>
               </a:rPr>
               <a:t>05. -1</a:t>
             </a:r>
@@ -4221,8 +4233,8 @@
                 <a:solidFill>
                   <a:schemeClr val="accent1"/>
                 </a:solidFill>
-                <a:latin typeface="+mj-ea"/>
-                <a:ea typeface="+mj-ea"/>
+                <a:latin typeface="맑은 고딕" panose="020B0503020000020004" pitchFamily="50" charset="-127"/>
+                <a:ea typeface="맑은 고딕" panose="020B0503020000020004" pitchFamily="50" charset="-127"/>
               </a:rPr>
               <a:t>프로젝트 일정 </a:t>
             </a:r>
@@ -4231,8 +4243,8 @@
                 <a:solidFill>
                   <a:schemeClr val="accent1"/>
                 </a:solidFill>
-                <a:latin typeface="+mj-ea"/>
-                <a:ea typeface="+mj-ea"/>
+                <a:latin typeface="맑은 고딕" panose="020B0503020000020004" pitchFamily="50" charset="-127"/>
+                <a:ea typeface="맑은 고딕" panose="020B0503020000020004" pitchFamily="50" charset="-127"/>
               </a:rPr>
               <a:t>– </a:t>
             </a:r>
@@ -4241,8 +4253,8 @@
                 <a:solidFill>
                   <a:schemeClr val="accent1"/>
                 </a:solidFill>
-                <a:latin typeface="+mj-ea"/>
-                <a:ea typeface="+mj-ea"/>
+                <a:latin typeface="맑은 고딕" panose="020B0503020000020004" pitchFamily="50" charset="-127"/>
+                <a:ea typeface="맑은 고딕" panose="020B0503020000020004" pitchFamily="50" charset="-127"/>
               </a:rPr>
               <a:t>마일스톤</a:t>
             </a:r>
@@ -4251,8 +4263,8 @@
                 <a:solidFill>
                   <a:schemeClr val="accent1"/>
                 </a:solidFill>
-                <a:latin typeface="+mj-ea"/>
-                <a:ea typeface="+mj-ea"/>
+                <a:latin typeface="맑은 고딕" panose="020B0503020000020004" pitchFamily="50" charset="-127"/>
+                <a:ea typeface="맑은 고딕" panose="020B0503020000020004" pitchFamily="50" charset="-127"/>
               </a:rPr>
               <a:t>??</a:t>
             </a:r>
@@ -4261,8 +4273,8 @@
                 <a:solidFill>
                   <a:schemeClr val="accent1"/>
                 </a:solidFill>
-                <a:latin typeface="+mj-ea"/>
-                <a:ea typeface="+mj-ea"/>
+                <a:latin typeface="맑은 고딕" panose="020B0503020000020004" pitchFamily="50" charset="-127"/>
+                <a:ea typeface="맑은 고딕" panose="020B0503020000020004" pitchFamily="50" charset="-127"/>
               </a:rPr>
               <a:t> </a:t>
             </a:r>
@@ -4271,8 +4283,8 @@
                 <a:solidFill>
                   <a:schemeClr val="accent1"/>
                 </a:solidFill>
-                <a:latin typeface="+mj-ea"/>
-                <a:ea typeface="+mj-ea"/>
+                <a:latin typeface="맑은 고딕" panose="020B0503020000020004" pitchFamily="50" charset="-127"/>
+                <a:ea typeface="맑은 고딕" panose="020B0503020000020004" pitchFamily="50" charset="-127"/>
               </a:rPr>
               <a:t>(**</a:t>
             </a:r>
@@ -4281,8 +4293,8 @@
                 <a:solidFill>
                   <a:schemeClr val="accent1"/>
                 </a:solidFill>
-                <a:latin typeface="+mj-ea"/>
-                <a:ea typeface="+mj-ea"/>
+                <a:latin typeface="맑은 고딕" panose="020B0503020000020004" pitchFamily="50" charset="-127"/>
+                <a:ea typeface="맑은 고딕" panose="020B0503020000020004" pitchFamily="50" charset="-127"/>
               </a:rPr>
               <a:t>대충 </a:t>
             </a:r>
@@ -4291,8 +4303,8 @@
                 <a:solidFill>
                   <a:schemeClr val="accent1"/>
                 </a:solidFill>
-                <a:latin typeface="+mj-ea"/>
-                <a:ea typeface="+mj-ea"/>
+                <a:latin typeface="맑은 고딕" panose="020B0503020000020004" pitchFamily="50" charset="-127"/>
+                <a:ea typeface="맑은 고딕" panose="020B0503020000020004" pitchFamily="50" charset="-127"/>
               </a:rPr>
               <a:t>이런식으로</a:t>
             </a:r>
@@ -4301,8 +4313,8 @@
                 <a:solidFill>
                   <a:schemeClr val="accent1"/>
                 </a:solidFill>
-                <a:latin typeface="+mj-ea"/>
-                <a:ea typeface="+mj-ea"/>
+                <a:latin typeface="맑은 고딕" panose="020B0503020000020004" pitchFamily="50" charset="-127"/>
+                <a:ea typeface="맑은 고딕" panose="020B0503020000020004" pitchFamily="50" charset="-127"/>
               </a:rPr>
               <a:t>) </a:t>
             </a:r>
@@ -4310,8 +4322,8 @@
               <a:solidFill>
                 <a:schemeClr val="accent1"/>
               </a:solidFill>
-              <a:latin typeface="+mj-ea"/>
-              <a:ea typeface="+mj-ea"/>
+              <a:latin typeface="맑은 고딕" panose="020B0503020000020004" pitchFamily="50" charset="-127"/>
+              <a:ea typeface="맑은 고딕" panose="020B0503020000020004" pitchFamily="50" charset="-127"/>
             </a:endParaRPr>
           </a:p>
         </p:txBody>
@@ -4402,8 +4414,8 @@
           <a:p>
             <a:pPr algn="ctr"/>
             <a:endParaRPr lang="ko-KR" altLang="en-US">
-              <a:latin typeface="+mj-ea"/>
-              <a:ea typeface="+mj-ea"/>
+              <a:latin typeface="맑은 고딕" panose="020B0503020000020004" pitchFamily="50" charset="-127"/>
+              <a:ea typeface="맑은 고딕" panose="020B0503020000020004" pitchFamily="50" charset="-127"/>
             </a:endParaRPr>
           </a:p>
         </p:txBody>
@@ -4438,70 +4450,70 @@
           <a:p>
             <a:r>
               <a:rPr lang="en-US" altLang="ko-KR" sz="2400" b="1" dirty="0">
-                <a:latin typeface="+mj-ea"/>
-                <a:ea typeface="+mj-ea"/>
+                <a:latin typeface="맑은 고딕" panose="020B0503020000020004" pitchFamily="50" charset="-127"/>
+                <a:ea typeface="맑은 고딕" panose="020B0503020000020004" pitchFamily="50" charset="-127"/>
               </a:rPr>
               <a:t>**</a:t>
             </a:r>
             <a:r>
               <a:rPr lang="ko-KR" altLang="en-US" sz="2400" b="1" dirty="0">
-                <a:latin typeface="+mj-ea"/>
-                <a:ea typeface="+mj-ea"/>
+                <a:latin typeface="맑은 고딕" panose="020B0503020000020004" pitchFamily="50" charset="-127"/>
+                <a:ea typeface="맑은 고딕" panose="020B0503020000020004" pitchFamily="50" charset="-127"/>
               </a:rPr>
               <a:t>여기에 상세설명</a:t>
             </a:r>
             <a:r>
               <a:rPr lang="en-US" altLang="ko-KR" sz="2400" b="1" dirty="0">
-                <a:latin typeface="+mj-ea"/>
-                <a:ea typeface="+mj-ea"/>
+                <a:latin typeface="맑은 고딕" panose="020B0503020000020004" pitchFamily="50" charset="-127"/>
+                <a:ea typeface="맑은 고딕" panose="020B0503020000020004" pitchFamily="50" charset="-127"/>
               </a:rPr>
               <a:t>(</a:t>
             </a:r>
             <a:r>
               <a:rPr lang="ko-KR" altLang="en-US" sz="2400" b="1" dirty="0">
-                <a:latin typeface="+mj-ea"/>
-                <a:ea typeface="+mj-ea"/>
+                <a:latin typeface="맑은 고딕" panose="020B0503020000020004" pitchFamily="50" charset="-127"/>
+                <a:ea typeface="맑은 고딕" panose="020B0503020000020004" pitchFamily="50" charset="-127"/>
               </a:rPr>
               <a:t>마일스톤</a:t>
             </a:r>
             <a:r>
               <a:rPr lang="en-US" altLang="ko-KR" sz="2400" b="1" dirty="0">
-                <a:latin typeface="+mj-ea"/>
-                <a:ea typeface="+mj-ea"/>
+                <a:latin typeface="맑은 고딕" panose="020B0503020000020004" pitchFamily="50" charset="-127"/>
+                <a:ea typeface="맑은 고딕" panose="020B0503020000020004" pitchFamily="50" charset="-127"/>
               </a:rPr>
               <a:t>) </a:t>
             </a:r>
             <a:r>
               <a:rPr lang="ko-KR" altLang="en-US" sz="2400" b="1" dirty="0">
-                <a:latin typeface="+mj-ea"/>
-                <a:ea typeface="+mj-ea"/>
+                <a:latin typeface="맑은 고딕" panose="020B0503020000020004" pitchFamily="50" charset="-127"/>
+                <a:ea typeface="맑은 고딕" panose="020B0503020000020004" pitchFamily="50" charset="-127"/>
               </a:rPr>
               <a:t>을 쓰기</a:t>
             </a:r>
             <a:endParaRPr lang="en-US" altLang="ko-KR" sz="2400" b="1" dirty="0">
-              <a:latin typeface="+mj-ea"/>
-              <a:ea typeface="+mj-ea"/>
+              <a:latin typeface="맑은 고딕" panose="020B0503020000020004" pitchFamily="50" charset="-127"/>
+              <a:ea typeface="맑은 고딕" panose="020B0503020000020004" pitchFamily="50" charset="-127"/>
             </a:endParaRPr>
           </a:p>
           <a:p>
             <a:r>
               <a:rPr lang="en-US" altLang="ko-KR" sz="2400" b="1" dirty="0">
-                <a:latin typeface="+mj-ea"/>
-                <a:ea typeface="+mj-ea"/>
+                <a:latin typeface="맑은 고딕" panose="020B0503020000020004" pitchFamily="50" charset="-127"/>
+                <a:ea typeface="맑은 고딕" panose="020B0503020000020004" pitchFamily="50" charset="-127"/>
               </a:rPr>
               <a:t>15~17 : </a:t>
             </a:r>
             <a:r>
               <a:rPr lang="ko-KR" altLang="en-US" sz="2400" b="1" dirty="0" err="1">
-                <a:latin typeface="+mj-ea"/>
-                <a:ea typeface="+mj-ea"/>
+                <a:latin typeface="맑은 고딕" panose="020B0503020000020004" pitchFamily="50" charset="-127"/>
+                <a:ea typeface="맑은 고딕" panose="020B0503020000020004" pitchFamily="50" charset="-127"/>
               </a:rPr>
               <a:t>백엔드</a:t>
             </a:r>
             <a:r>
               <a:rPr lang="ko-KR" altLang="en-US" sz="2400" b="1" dirty="0">
-                <a:latin typeface="+mj-ea"/>
-                <a:ea typeface="+mj-ea"/>
+                <a:latin typeface="맑은 고딕" panose="020B0503020000020004" pitchFamily="50" charset="-127"/>
+                <a:ea typeface="맑은 고딕" panose="020B0503020000020004" pitchFamily="50" charset="-127"/>
               </a:rPr>
               <a:t> 서버 및 비즈니스 로직 구현</a:t>
             </a:r>
@@ -4509,15 +4521,15 @@
           <a:p>
             <a:r>
               <a:rPr lang="en-US" altLang="ko-KR" sz="2400" b="1" dirty="0">
-                <a:latin typeface="+mj-ea"/>
-                <a:ea typeface="+mj-ea"/>
+                <a:latin typeface="맑은 고딕" panose="020B0503020000020004" pitchFamily="50" charset="-127"/>
+                <a:ea typeface="맑은 고딕" panose="020B0503020000020004" pitchFamily="50" charset="-127"/>
               </a:rPr>
               <a:t>19~21 : </a:t>
             </a:r>
             <a:r>
               <a:rPr lang="ko-KR" altLang="en-US" sz="2400" b="1" dirty="0">
-                <a:latin typeface="+mj-ea"/>
-                <a:ea typeface="+mj-ea"/>
+                <a:latin typeface="맑은 고딕" panose="020B0503020000020004" pitchFamily="50" charset="-127"/>
+                <a:ea typeface="맑은 고딕" panose="020B0503020000020004" pitchFamily="50" charset="-127"/>
               </a:rPr>
               <a:t>데이터베이스 스키마 및 쿼리 구현</a:t>
             </a:r>
@@ -4525,54 +4537,54 @@
           <a:p>
             <a:r>
               <a:rPr lang="en-US" altLang="ko-KR" sz="2400" b="1" dirty="0">
-                <a:latin typeface="+mj-ea"/>
-                <a:ea typeface="+mj-ea"/>
+                <a:latin typeface="맑은 고딕" panose="020B0503020000020004" pitchFamily="50" charset="-127"/>
+                <a:ea typeface="맑은 고딕" panose="020B0503020000020004" pitchFamily="50" charset="-127"/>
               </a:rPr>
               <a:t>22~24 : </a:t>
             </a:r>
             <a:r>
               <a:rPr lang="ko-KR" altLang="en-US" sz="2400" b="1" dirty="0" err="1">
-                <a:latin typeface="+mj-ea"/>
-                <a:ea typeface="+mj-ea"/>
+                <a:latin typeface="맑은 고딕" panose="020B0503020000020004" pitchFamily="50" charset="-127"/>
+                <a:ea typeface="맑은 고딕" panose="020B0503020000020004" pitchFamily="50" charset="-127"/>
               </a:rPr>
               <a:t>프론트엔드</a:t>
             </a:r>
             <a:r>
               <a:rPr lang="ko-KR" altLang="en-US" sz="2400" b="1" dirty="0">
-                <a:latin typeface="+mj-ea"/>
-                <a:ea typeface="+mj-ea"/>
+                <a:latin typeface="맑은 고딕" panose="020B0503020000020004" pitchFamily="50" charset="-127"/>
+                <a:ea typeface="맑은 고딕" panose="020B0503020000020004" pitchFamily="50" charset="-127"/>
               </a:rPr>
               <a:t> 사용자 인터페이스 및 기능 구현</a:t>
             </a:r>
           </a:p>
           <a:p>
             <a:endParaRPr lang="ko-KR" altLang="en-US" sz="2400" b="1" dirty="0">
-              <a:latin typeface="+mj-ea"/>
-              <a:ea typeface="+mj-ea"/>
+              <a:latin typeface="맑은 고딕" panose="020B0503020000020004" pitchFamily="50" charset="-127"/>
+              <a:ea typeface="맑은 고딕" panose="020B0503020000020004" pitchFamily="50" charset="-127"/>
             </a:endParaRPr>
           </a:p>
           <a:p>
             <a:endParaRPr lang="ko-KR" altLang="en-US" sz="2400" b="1" dirty="0">
-              <a:latin typeface="+mj-ea"/>
-              <a:ea typeface="+mj-ea"/>
+              <a:latin typeface="맑은 고딕" panose="020B0503020000020004" pitchFamily="50" charset="-127"/>
+              <a:ea typeface="맑은 고딕" panose="020B0503020000020004" pitchFamily="50" charset="-127"/>
             </a:endParaRPr>
           </a:p>
           <a:p>
             <a:endParaRPr lang="ko-KR" altLang="en-US" sz="2400" b="1" dirty="0">
-              <a:latin typeface="+mj-ea"/>
-              <a:ea typeface="+mj-ea"/>
+              <a:latin typeface="맑은 고딕" panose="020B0503020000020004" pitchFamily="50" charset="-127"/>
+              <a:ea typeface="맑은 고딕" panose="020B0503020000020004" pitchFamily="50" charset="-127"/>
             </a:endParaRPr>
           </a:p>
           <a:p>
             <a:endParaRPr lang="ko-KR" altLang="en-US" sz="2400" b="1" dirty="0">
-              <a:latin typeface="+mj-ea"/>
-              <a:ea typeface="+mj-ea"/>
+              <a:latin typeface="맑은 고딕" panose="020B0503020000020004" pitchFamily="50" charset="-127"/>
+              <a:ea typeface="맑은 고딕" panose="020B0503020000020004" pitchFamily="50" charset="-127"/>
             </a:endParaRPr>
           </a:p>
           <a:p>
             <a:endParaRPr lang="ko-KR" altLang="en-US" sz="2400" b="1" dirty="0">
-              <a:latin typeface="+mj-ea"/>
-              <a:ea typeface="+mj-ea"/>
+              <a:latin typeface="맑은 고딕" panose="020B0503020000020004" pitchFamily="50" charset="-127"/>
+              <a:ea typeface="맑은 고딕" panose="020B0503020000020004" pitchFamily="50" charset="-127"/>
             </a:endParaRPr>
           </a:p>
         </p:txBody>
@@ -5446,8 +5458,8 @@
                 <a:solidFill>
                   <a:schemeClr val="accent1"/>
                 </a:solidFill>
-                <a:latin typeface="+mj-ea"/>
-                <a:ea typeface="+mj-ea"/>
+                <a:latin typeface="맑은 고딕" panose="020B0503020000020004" pitchFamily="50" charset="-127"/>
+                <a:ea typeface="맑은 고딕" panose="020B0503020000020004" pitchFamily="50" charset="-127"/>
               </a:rPr>
               <a:t>05-2 :</a:t>
             </a:r>
@@ -5456,8 +5468,8 @@
                 <a:solidFill>
                   <a:schemeClr val="accent1"/>
                 </a:solidFill>
-                <a:latin typeface="+mj-ea"/>
-                <a:ea typeface="+mj-ea"/>
+                <a:latin typeface="맑은 고딕" panose="020B0503020000020004" pitchFamily="50" charset="-127"/>
+                <a:ea typeface="맑은 고딕" panose="020B0503020000020004" pitchFamily="50" charset="-127"/>
               </a:rPr>
               <a:t>프로젝트 초기 설정 및 </a:t>
             </a:r>
@@ -5466,8 +5478,8 @@
                 <a:solidFill>
                   <a:schemeClr val="accent1"/>
                 </a:solidFill>
-                <a:latin typeface="+mj-ea"/>
-                <a:ea typeface="+mj-ea"/>
+                <a:latin typeface="맑은 고딕" panose="020B0503020000020004" pitchFamily="50" charset="-127"/>
+                <a:ea typeface="맑은 고딕" panose="020B0503020000020004" pitchFamily="50" charset="-127"/>
               </a:rPr>
               <a:t>DB</a:t>
             </a:r>
@@ -5476,8 +5488,8 @@
                 <a:solidFill>
                   <a:schemeClr val="accent1"/>
                 </a:solidFill>
-                <a:latin typeface="+mj-ea"/>
-                <a:ea typeface="+mj-ea"/>
+                <a:latin typeface="맑은 고딕" panose="020B0503020000020004" pitchFamily="50" charset="-127"/>
+                <a:ea typeface="맑은 고딕" panose="020B0503020000020004" pitchFamily="50" charset="-127"/>
               </a:rPr>
               <a:t>설계</a:t>
             </a:r>
@@ -5568,8 +5580,8 @@
           <a:p>
             <a:pPr algn="ctr"/>
             <a:endParaRPr lang="ko-KR" altLang="en-US">
-              <a:latin typeface="+mj-ea"/>
-              <a:ea typeface="+mj-ea"/>
+              <a:latin typeface="맑은 고딕" panose="020B0503020000020004" pitchFamily="50" charset="-127"/>
+              <a:ea typeface="맑은 고딕" panose="020B0503020000020004" pitchFamily="50" charset="-127"/>
             </a:endParaRPr>
           </a:p>
         </p:txBody>
@@ -5651,8 +5663,8 @@
           <a:p>
             <a:r>
               <a:rPr lang="en-US" altLang="ko-KR" sz="1800" b="1" dirty="0">
-                <a:latin typeface="+mj-ea"/>
-                <a:ea typeface="+mj-ea"/>
+                <a:latin typeface="맑은 고딕" panose="020B0503020000020004" pitchFamily="50" charset="-127"/>
+                <a:ea typeface="맑은 고딕" panose="020B0503020000020004" pitchFamily="50" charset="-127"/>
               </a:rPr>
               <a:t>**MySQL</a:t>
             </a:r>
@@ -5660,47 +5672,47 @@
           <a:p>
             <a:r>
               <a:rPr lang="ko-KR" altLang="en-US" sz="1800" b="1" dirty="0">
-                <a:latin typeface="+mj-ea"/>
-                <a:ea typeface="+mj-ea"/>
+                <a:latin typeface="맑은 고딕" panose="020B0503020000020004" pitchFamily="50" charset="-127"/>
+                <a:ea typeface="맑은 고딕" panose="020B0503020000020004" pitchFamily="50" charset="-127"/>
               </a:rPr>
               <a:t>데이터베이스를 설계 </a:t>
             </a:r>
             <a:endParaRPr lang="en-US" altLang="ko-KR" sz="1800" b="1" dirty="0">
-              <a:latin typeface="+mj-ea"/>
-              <a:ea typeface="+mj-ea"/>
+              <a:latin typeface="맑은 고딕" panose="020B0503020000020004" pitchFamily="50" charset="-127"/>
+              <a:ea typeface="맑은 고딕" panose="020B0503020000020004" pitchFamily="50" charset="-127"/>
             </a:endParaRPr>
           </a:p>
           <a:p>
             <a:r>
               <a:rPr lang="ko-KR" altLang="en-US" sz="1800" b="1" dirty="0">
-                <a:latin typeface="+mj-ea"/>
-                <a:ea typeface="+mj-ea"/>
+                <a:latin typeface="맑은 고딕" panose="020B0503020000020004" pitchFamily="50" charset="-127"/>
+                <a:ea typeface="맑은 고딕" panose="020B0503020000020004" pitchFamily="50" charset="-127"/>
               </a:rPr>
               <a:t>필요한 테이블을 생성</a:t>
             </a:r>
             <a:endParaRPr lang="en-US" altLang="ko-KR" sz="1800" b="1" dirty="0">
-              <a:latin typeface="+mj-ea"/>
-              <a:ea typeface="+mj-ea"/>
+              <a:latin typeface="맑은 고딕" panose="020B0503020000020004" pitchFamily="50" charset="-127"/>
+              <a:ea typeface="맑은 고딕" panose="020B0503020000020004" pitchFamily="50" charset="-127"/>
             </a:endParaRPr>
           </a:p>
           <a:p>
             <a:r>
               <a:rPr lang="ko-KR" altLang="en-US" b="1" dirty="0">
-                <a:latin typeface="+mj-ea"/>
-                <a:ea typeface="+mj-ea"/>
+                <a:latin typeface="맑은 고딕" panose="020B0503020000020004" pitchFamily="50" charset="-127"/>
+                <a:ea typeface="맑은 고딕" panose="020B0503020000020004" pitchFamily="50" charset="-127"/>
               </a:rPr>
               <a:t>데이터 액세스 계층 구현</a:t>
             </a:r>
             <a:r>
               <a:rPr lang="en-US" altLang="ko-KR" b="1" dirty="0">
-                <a:latin typeface="+mj-ea"/>
-                <a:ea typeface="+mj-ea"/>
+                <a:latin typeface="맑은 고딕" panose="020B0503020000020004" pitchFamily="50" charset="-127"/>
+                <a:ea typeface="맑은 고딕" panose="020B0503020000020004" pitchFamily="50" charset="-127"/>
               </a:rPr>
               <a:t>`</a:t>
             </a:r>
             <a:endParaRPr lang="ko-KR" altLang="en-US" sz="1800" b="1" dirty="0">
-              <a:latin typeface="+mj-ea"/>
-              <a:ea typeface="+mj-ea"/>
+              <a:latin typeface="맑은 고딕" panose="020B0503020000020004" pitchFamily="50" charset="-127"/>
+              <a:ea typeface="맑은 고딕" panose="020B0503020000020004" pitchFamily="50" charset="-127"/>
             </a:endParaRPr>
           </a:p>
         </p:txBody>
@@ -5829,87 +5841,87 @@
           <a:p>
             <a:r>
               <a:rPr lang="en-US" altLang="ko-KR" sz="1800" b="1" dirty="0">
-                <a:latin typeface="+mj-ea"/>
-                <a:ea typeface="+mj-ea"/>
+                <a:latin typeface="맑은 고딕" panose="020B0503020000020004" pitchFamily="50" charset="-127"/>
+                <a:ea typeface="맑은 고딕" panose="020B0503020000020004" pitchFamily="50" charset="-127"/>
               </a:rPr>
               <a:t>**</a:t>
             </a:r>
             <a:r>
               <a:rPr lang="ko-KR" altLang="en-US" sz="1800" b="1" dirty="0">
-                <a:latin typeface="+mj-ea"/>
-                <a:ea typeface="+mj-ea"/>
+                <a:latin typeface="맑은 고딕" panose="020B0503020000020004" pitchFamily="50" charset="-127"/>
+                <a:ea typeface="맑은 고딕" panose="020B0503020000020004" pitchFamily="50" charset="-127"/>
               </a:rPr>
               <a:t>초기설정 </a:t>
             </a:r>
             <a:endParaRPr lang="en-US" altLang="ko-KR" sz="1800" b="1" dirty="0">
-              <a:latin typeface="+mj-ea"/>
-              <a:ea typeface="+mj-ea"/>
+              <a:latin typeface="맑은 고딕" panose="020B0503020000020004" pitchFamily="50" charset="-127"/>
+              <a:ea typeface="맑은 고딕" panose="020B0503020000020004" pitchFamily="50" charset="-127"/>
             </a:endParaRPr>
           </a:p>
           <a:p>
             <a:r>
               <a:rPr lang="ko-KR" altLang="en-US" b="1" dirty="0">
-                <a:latin typeface="+mj-ea"/>
-                <a:ea typeface="+mj-ea"/>
+                <a:latin typeface="맑은 고딕" panose="020B0503020000020004" pitchFamily="50" charset="-127"/>
+                <a:ea typeface="맑은 고딕" panose="020B0503020000020004" pitchFamily="50" charset="-127"/>
               </a:rPr>
               <a:t>요구사항 분석</a:t>
             </a:r>
             <a:endParaRPr lang="en-US" altLang="ko-KR" b="1" dirty="0">
-              <a:latin typeface="+mj-ea"/>
-              <a:ea typeface="+mj-ea"/>
+              <a:latin typeface="맑은 고딕" panose="020B0503020000020004" pitchFamily="50" charset="-127"/>
+              <a:ea typeface="맑은 고딕" panose="020B0503020000020004" pitchFamily="50" charset="-127"/>
             </a:endParaRPr>
           </a:p>
           <a:p>
             <a:r>
               <a:rPr lang="ko-KR" altLang="en-US" sz="1800" b="1" dirty="0">
-                <a:latin typeface="+mj-ea"/>
-                <a:ea typeface="+mj-ea"/>
+                <a:latin typeface="맑은 고딕" panose="020B0503020000020004" pitchFamily="50" charset="-127"/>
+                <a:ea typeface="맑은 고딕" panose="020B0503020000020004" pitchFamily="50" charset="-127"/>
               </a:rPr>
               <a:t>프로젝트 디렉토리 구조 설정</a:t>
             </a:r>
             <a:endParaRPr lang="en-US" altLang="ko-KR" sz="1800" b="1" dirty="0">
-              <a:latin typeface="+mj-ea"/>
-              <a:ea typeface="+mj-ea"/>
+              <a:latin typeface="맑은 고딕" panose="020B0503020000020004" pitchFamily="50" charset="-127"/>
+              <a:ea typeface="맑은 고딕" panose="020B0503020000020004" pitchFamily="50" charset="-127"/>
             </a:endParaRPr>
           </a:p>
           <a:p>
             <a:r>
               <a:rPr lang="ko-KR" altLang="en-US" b="1" dirty="0">
-                <a:latin typeface="+mj-ea"/>
-                <a:ea typeface="+mj-ea"/>
+                <a:latin typeface="맑은 고딕" panose="020B0503020000020004" pitchFamily="50" charset="-127"/>
+                <a:ea typeface="맑은 고딕" panose="020B0503020000020004" pitchFamily="50" charset="-127"/>
               </a:rPr>
               <a:t>개발환경 설정</a:t>
             </a:r>
             <a:endParaRPr lang="en-US" altLang="ko-KR" b="1" dirty="0">
-              <a:latin typeface="+mj-ea"/>
-              <a:ea typeface="+mj-ea"/>
+              <a:latin typeface="맑은 고딕" panose="020B0503020000020004" pitchFamily="50" charset="-127"/>
+              <a:ea typeface="맑은 고딕" panose="020B0503020000020004" pitchFamily="50" charset="-127"/>
             </a:endParaRPr>
           </a:p>
           <a:p>
             <a:r>
               <a:rPr lang="ko-KR" altLang="en-US" sz="1800" b="1" dirty="0">
-                <a:latin typeface="+mj-ea"/>
-                <a:ea typeface="+mj-ea"/>
+                <a:latin typeface="맑은 고딕" panose="020B0503020000020004" pitchFamily="50" charset="-127"/>
+                <a:ea typeface="맑은 고딕" panose="020B0503020000020004" pitchFamily="50" charset="-127"/>
               </a:rPr>
               <a:t>프로젝트 관리를 위해 </a:t>
             </a:r>
             <a:r>
               <a:rPr lang="en-US" altLang="ko-KR" sz="1800" b="1" dirty="0">
-                <a:latin typeface="+mj-ea"/>
-                <a:ea typeface="+mj-ea"/>
+                <a:latin typeface="맑은 고딕" panose="020B0503020000020004" pitchFamily="50" charset="-127"/>
+                <a:ea typeface="맑은 고딕" panose="020B0503020000020004" pitchFamily="50" charset="-127"/>
               </a:rPr>
               <a:t>Git </a:t>
             </a:r>
             <a:r>
               <a:rPr lang="ko-KR" altLang="en-US" sz="1800" b="1" dirty="0">
-                <a:latin typeface="+mj-ea"/>
-                <a:ea typeface="+mj-ea"/>
+                <a:latin typeface="맑은 고딕" panose="020B0503020000020004" pitchFamily="50" charset="-127"/>
+                <a:ea typeface="맑은 고딕" panose="020B0503020000020004" pitchFamily="50" charset="-127"/>
               </a:rPr>
               <a:t>활용</a:t>
             </a:r>
             <a:endParaRPr lang="en-US" altLang="ko-KR" sz="1800" b="1" dirty="0">
-              <a:latin typeface="+mj-ea"/>
-              <a:ea typeface="+mj-ea"/>
+              <a:latin typeface="맑은 고딕" panose="020B0503020000020004" pitchFamily="50" charset="-127"/>
+              <a:ea typeface="맑은 고딕" panose="020B0503020000020004" pitchFamily="50" charset="-127"/>
             </a:endParaRPr>
           </a:p>
         </p:txBody>
@@ -5944,75 +5956,75 @@
           <a:p>
             <a:r>
               <a:rPr lang="en-US" altLang="ko-KR" sz="1800" b="1" dirty="0">
-                <a:latin typeface="+mj-ea"/>
-                <a:ea typeface="+mj-ea"/>
+                <a:latin typeface="맑은 고딕" panose="020B0503020000020004" pitchFamily="50" charset="-127"/>
+                <a:ea typeface="맑은 고딕" panose="020B0503020000020004" pitchFamily="50" charset="-127"/>
               </a:rPr>
               <a:t>**Spring </a:t>
             </a:r>
             <a:r>
               <a:rPr lang="ko-KR" altLang="en-US" sz="1800" b="1" dirty="0">
-                <a:latin typeface="+mj-ea"/>
-                <a:ea typeface="+mj-ea"/>
+                <a:latin typeface="맑은 고딕" panose="020B0503020000020004" pitchFamily="50" charset="-127"/>
+                <a:ea typeface="맑은 고딕" panose="020B0503020000020004" pitchFamily="50" charset="-127"/>
               </a:rPr>
               <a:t> </a:t>
             </a:r>
             <a:endParaRPr lang="en-US" altLang="ko-KR" b="1" dirty="0">
-              <a:latin typeface="+mj-ea"/>
-              <a:ea typeface="+mj-ea"/>
+              <a:latin typeface="맑은 고딕" panose="020B0503020000020004" pitchFamily="50" charset="-127"/>
+              <a:ea typeface="맑은 고딕" panose="020B0503020000020004" pitchFamily="50" charset="-127"/>
             </a:endParaRPr>
           </a:p>
           <a:p>
             <a:r>
               <a:rPr lang="en-US" altLang="ko-KR" sz="1800" b="1" dirty="0">
-                <a:latin typeface="+mj-ea"/>
-                <a:ea typeface="+mj-ea"/>
+                <a:latin typeface="맑은 고딕" panose="020B0503020000020004" pitchFamily="50" charset="-127"/>
+                <a:ea typeface="맑은 고딕" panose="020B0503020000020004" pitchFamily="50" charset="-127"/>
               </a:rPr>
               <a:t>- </a:t>
             </a:r>
             <a:r>
               <a:rPr lang="ko-KR" altLang="en-US" b="1" dirty="0">
-                <a:latin typeface="+mj-ea"/>
-                <a:ea typeface="+mj-ea"/>
+                <a:latin typeface="맑은 고딕" panose="020B0503020000020004" pitchFamily="50" charset="-127"/>
+                <a:ea typeface="맑은 고딕" panose="020B0503020000020004" pitchFamily="50" charset="-127"/>
               </a:rPr>
               <a:t>비즈니스 로직 구현 </a:t>
             </a:r>
             <a:endParaRPr lang="en-US" altLang="ko-KR" sz="1800" b="1" dirty="0">
-              <a:latin typeface="+mj-ea"/>
-              <a:ea typeface="+mj-ea"/>
+              <a:latin typeface="맑은 고딕" panose="020B0503020000020004" pitchFamily="50" charset="-127"/>
+              <a:ea typeface="맑은 고딕" panose="020B0503020000020004" pitchFamily="50" charset="-127"/>
             </a:endParaRPr>
           </a:p>
           <a:p>
             <a:r>
               <a:rPr lang="en-US" altLang="ko-KR" b="1" dirty="0">
-                <a:latin typeface="+mj-ea"/>
-                <a:ea typeface="+mj-ea"/>
+                <a:latin typeface="맑은 고딕" panose="020B0503020000020004" pitchFamily="50" charset="-127"/>
+                <a:ea typeface="맑은 고딕" panose="020B0503020000020004" pitchFamily="50" charset="-127"/>
               </a:rPr>
               <a:t>- </a:t>
             </a:r>
             <a:r>
               <a:rPr lang="ko-KR" altLang="en-US" b="1" dirty="0">
-                <a:latin typeface="+mj-ea"/>
-                <a:ea typeface="+mj-ea"/>
+                <a:latin typeface="맑은 고딕" panose="020B0503020000020004" pitchFamily="50" charset="-127"/>
+                <a:ea typeface="맑은 고딕" panose="020B0503020000020004" pitchFamily="50" charset="-127"/>
               </a:rPr>
               <a:t>데이터 베이스 스키마 설계</a:t>
             </a:r>
             <a:r>
               <a:rPr lang="en-US" altLang="ko-KR" b="1" dirty="0">
-                <a:latin typeface="+mj-ea"/>
-                <a:ea typeface="+mj-ea"/>
+                <a:latin typeface="맑은 고딕" panose="020B0503020000020004" pitchFamily="50" charset="-127"/>
+                <a:ea typeface="맑은 고딕" panose="020B0503020000020004" pitchFamily="50" charset="-127"/>
               </a:rPr>
               <a:t>, </a:t>
             </a:r>
             <a:r>
               <a:rPr lang="ko-KR" altLang="en-US" b="1" dirty="0">
-                <a:latin typeface="+mj-ea"/>
-                <a:ea typeface="+mj-ea"/>
+                <a:latin typeface="맑은 고딕" panose="020B0503020000020004" pitchFamily="50" charset="-127"/>
+                <a:ea typeface="맑은 고딕" panose="020B0503020000020004" pitchFamily="50" charset="-127"/>
               </a:rPr>
               <a:t>필요한 테이블과 관계 정의</a:t>
             </a:r>
             <a:endParaRPr lang="en-US" altLang="ko-KR" b="1" dirty="0">
-              <a:latin typeface="+mj-ea"/>
-              <a:ea typeface="+mj-ea"/>
+              <a:latin typeface="맑은 고딕" panose="020B0503020000020004" pitchFamily="50" charset="-127"/>
+              <a:ea typeface="맑은 고딕" panose="020B0503020000020004" pitchFamily="50" charset="-127"/>
             </a:endParaRPr>
           </a:p>
         </p:txBody>
@@ -6121,8 +6133,8 @@
                 <a:solidFill>
                   <a:schemeClr val="accent1"/>
                 </a:solidFill>
-                <a:latin typeface="+mj-ea"/>
-                <a:ea typeface="+mj-ea"/>
+                <a:latin typeface="맑은 고딕" panose="020B0503020000020004" pitchFamily="50" charset="-127"/>
+                <a:ea typeface="맑은 고딕" panose="020B0503020000020004" pitchFamily="50" charset="-127"/>
               </a:rPr>
               <a:t>05-2 :</a:t>
             </a:r>
@@ -6131,8 +6143,8 @@
                 <a:solidFill>
                   <a:schemeClr val="accent1"/>
                 </a:solidFill>
-                <a:latin typeface="+mj-ea"/>
-                <a:ea typeface="+mj-ea"/>
+                <a:latin typeface="맑은 고딕" panose="020B0503020000020004" pitchFamily="50" charset="-127"/>
+                <a:ea typeface="맑은 고딕" panose="020B0503020000020004" pitchFamily="50" charset="-127"/>
               </a:rPr>
               <a:t>백</a:t>
             </a:r>
@@ -6141,8 +6153,8 @@
                 <a:solidFill>
                   <a:schemeClr val="accent1"/>
                 </a:solidFill>
-                <a:latin typeface="+mj-ea"/>
-                <a:ea typeface="+mj-ea"/>
+                <a:latin typeface="맑은 고딕" panose="020B0503020000020004" pitchFamily="50" charset="-127"/>
+                <a:ea typeface="맑은 고딕" panose="020B0503020000020004" pitchFamily="50" charset="-127"/>
               </a:rPr>
               <a:t> / </a:t>
             </a:r>
@@ -6151,8 +6163,8 @@
                 <a:solidFill>
                   <a:schemeClr val="accent1"/>
                 </a:solidFill>
-                <a:latin typeface="+mj-ea"/>
-                <a:ea typeface="+mj-ea"/>
+                <a:latin typeface="맑은 고딕" panose="020B0503020000020004" pitchFamily="50" charset="-127"/>
+                <a:ea typeface="맑은 고딕" panose="020B0503020000020004" pitchFamily="50" charset="-127"/>
               </a:rPr>
               <a:t>프론트 연동 및 </a:t>
             </a:r>
@@ -6161,8 +6173,8 @@
                 <a:solidFill>
                   <a:schemeClr val="accent1"/>
                 </a:solidFill>
-                <a:latin typeface="+mj-ea"/>
-                <a:ea typeface="+mj-ea"/>
+                <a:latin typeface="맑은 고딕" panose="020B0503020000020004" pitchFamily="50" charset="-127"/>
+                <a:ea typeface="맑은 고딕" panose="020B0503020000020004" pitchFamily="50" charset="-127"/>
               </a:rPr>
               <a:t>API </a:t>
             </a:r>
@@ -6171,8 +6183,8 @@
                 <a:solidFill>
                   <a:schemeClr val="accent1"/>
                 </a:solidFill>
-                <a:latin typeface="+mj-ea"/>
-                <a:ea typeface="+mj-ea"/>
+                <a:latin typeface="맑은 고딕" panose="020B0503020000020004" pitchFamily="50" charset="-127"/>
+                <a:ea typeface="맑은 고딕" panose="020B0503020000020004" pitchFamily="50" charset="-127"/>
               </a:rPr>
               <a:t>설계</a:t>
             </a:r>
@@ -6250,61 +6262,61 @@
           <a:p>
             <a:r>
               <a:rPr lang="en-US" altLang="ko-KR" sz="1800" b="1" dirty="0">
-                <a:latin typeface="+mj-ea"/>
-                <a:ea typeface="+mj-ea"/>
+                <a:latin typeface="맑은 고딕" panose="020B0503020000020004" pitchFamily="50" charset="-127"/>
+                <a:ea typeface="맑은 고딕" panose="020B0503020000020004" pitchFamily="50" charset="-127"/>
               </a:rPr>
               <a:t>**</a:t>
             </a:r>
             <a:r>
               <a:rPr lang="en-US" altLang="ko-KR" sz="1800" b="1" dirty="0" err="1">
-                <a:latin typeface="+mj-ea"/>
-                <a:ea typeface="+mj-ea"/>
+                <a:latin typeface="맑은 고딕" panose="020B0503020000020004" pitchFamily="50" charset="-127"/>
+                <a:ea typeface="맑은 고딕" panose="020B0503020000020004" pitchFamily="50" charset="-127"/>
               </a:rPr>
               <a:t>RestAPI</a:t>
             </a:r>
             <a:r>
               <a:rPr lang="en-US" altLang="ko-KR" sz="1800" b="1" dirty="0">
-                <a:latin typeface="+mj-ea"/>
-                <a:ea typeface="+mj-ea"/>
+                <a:latin typeface="맑은 고딕" panose="020B0503020000020004" pitchFamily="50" charset="-127"/>
+                <a:ea typeface="맑은 고딕" panose="020B0503020000020004" pitchFamily="50" charset="-127"/>
               </a:rPr>
               <a:t> </a:t>
             </a:r>
             <a:r>
               <a:rPr lang="ko-KR" altLang="en-US" sz="1800" b="1" dirty="0">
-                <a:latin typeface="+mj-ea"/>
-                <a:ea typeface="+mj-ea"/>
+                <a:latin typeface="맑은 고딕" panose="020B0503020000020004" pitchFamily="50" charset="-127"/>
+                <a:ea typeface="맑은 고딕" panose="020B0503020000020004" pitchFamily="50" charset="-127"/>
               </a:rPr>
               <a:t>설계</a:t>
             </a:r>
             <a:endParaRPr lang="en-US" altLang="ko-KR" sz="1800" b="1" dirty="0">
-              <a:latin typeface="+mj-ea"/>
-              <a:ea typeface="+mj-ea"/>
+              <a:latin typeface="맑은 고딕" panose="020B0503020000020004" pitchFamily="50" charset="-127"/>
+              <a:ea typeface="맑은 고딕" panose="020B0503020000020004" pitchFamily="50" charset="-127"/>
             </a:endParaRPr>
           </a:p>
           <a:p>
             <a:r>
               <a:rPr lang="ko-KR" altLang="en-US" sz="1800" b="1" dirty="0">
-                <a:latin typeface="+mj-ea"/>
-                <a:ea typeface="+mj-ea"/>
+                <a:latin typeface="맑은 고딕" panose="020B0503020000020004" pitchFamily="50" charset="-127"/>
+                <a:ea typeface="맑은 고딕" panose="020B0503020000020004" pitchFamily="50" charset="-127"/>
               </a:rPr>
               <a:t>데이터 액세스 계층 구현 </a:t>
             </a:r>
             <a:endParaRPr lang="en-US" altLang="ko-KR" sz="1800" b="1" dirty="0">
-              <a:latin typeface="+mj-ea"/>
-              <a:ea typeface="+mj-ea"/>
+              <a:latin typeface="맑은 고딕" panose="020B0503020000020004" pitchFamily="50" charset="-127"/>
+              <a:ea typeface="맑은 고딕" panose="020B0503020000020004" pitchFamily="50" charset="-127"/>
             </a:endParaRPr>
           </a:p>
           <a:p>
             <a:r>
               <a:rPr lang="ko-KR" altLang="en-US" b="1" dirty="0">
-                <a:latin typeface="+mj-ea"/>
-                <a:ea typeface="+mj-ea"/>
+                <a:latin typeface="맑은 고딕" panose="020B0503020000020004" pitchFamily="50" charset="-127"/>
+                <a:ea typeface="맑은 고딕" panose="020B0503020000020004" pitchFamily="50" charset="-127"/>
               </a:rPr>
               <a:t>비즈니스 로직 및 데이터 처리</a:t>
             </a:r>
             <a:endParaRPr lang="en-US" altLang="ko-KR" b="1" dirty="0">
-              <a:latin typeface="+mj-ea"/>
-              <a:ea typeface="+mj-ea"/>
+              <a:latin typeface="맑은 고딕" panose="020B0503020000020004" pitchFamily="50" charset="-127"/>
+              <a:ea typeface="맑은 고딕" panose="020B0503020000020004" pitchFamily="50" charset="-127"/>
             </a:endParaRPr>
           </a:p>
         </p:txBody>
@@ -6339,54 +6351,54 @@
           <a:p>
             <a:r>
               <a:rPr lang="en-US" altLang="ko-KR" sz="1800" b="1" dirty="0">
-                <a:latin typeface="+mj-ea"/>
-                <a:ea typeface="+mj-ea"/>
+                <a:latin typeface="맑은 고딕" panose="020B0503020000020004" pitchFamily="50" charset="-127"/>
+                <a:ea typeface="맑은 고딕" panose="020B0503020000020004" pitchFamily="50" charset="-127"/>
               </a:rPr>
               <a:t>**Vue</a:t>
             </a:r>
             <a:r>
               <a:rPr lang="ko-KR" altLang="en-US" sz="1800" b="1" dirty="0">
-                <a:latin typeface="+mj-ea"/>
-                <a:ea typeface="+mj-ea"/>
+                <a:latin typeface="맑은 고딕" panose="020B0503020000020004" pitchFamily="50" charset="-127"/>
+                <a:ea typeface="맑은 고딕" panose="020B0503020000020004" pitchFamily="50" charset="-127"/>
               </a:rPr>
               <a:t> </a:t>
             </a:r>
             <a:endParaRPr lang="en-US" altLang="ko-KR" sz="1800" b="1" dirty="0">
-              <a:latin typeface="+mj-ea"/>
-              <a:ea typeface="+mj-ea"/>
+              <a:latin typeface="맑은 고딕" panose="020B0503020000020004" pitchFamily="50" charset="-127"/>
+              <a:ea typeface="맑은 고딕" panose="020B0503020000020004" pitchFamily="50" charset="-127"/>
             </a:endParaRPr>
           </a:p>
           <a:p>
             <a:r>
               <a:rPr lang="en-US" altLang="ko-KR" b="1" dirty="0">
-                <a:latin typeface="+mj-ea"/>
-                <a:ea typeface="+mj-ea"/>
+                <a:latin typeface="맑은 고딕" panose="020B0503020000020004" pitchFamily="50" charset="-127"/>
+                <a:ea typeface="맑은 고딕" panose="020B0503020000020004" pitchFamily="50" charset="-127"/>
               </a:rPr>
               <a:t>Vue.js </a:t>
             </a:r>
             <a:r>
               <a:rPr lang="ko-KR" altLang="en-US" b="1" dirty="0">
-                <a:latin typeface="+mj-ea"/>
-                <a:ea typeface="+mj-ea"/>
+                <a:latin typeface="맑은 고딕" panose="020B0503020000020004" pitchFamily="50" charset="-127"/>
+                <a:ea typeface="맑은 고딕" panose="020B0503020000020004" pitchFamily="50" charset="-127"/>
               </a:rPr>
               <a:t>폴더 구조 설계</a:t>
             </a:r>
             <a:endParaRPr lang="en-US" altLang="ko-KR" b="1" dirty="0">
-              <a:latin typeface="+mj-ea"/>
-              <a:ea typeface="+mj-ea"/>
+              <a:latin typeface="맑은 고딕" panose="020B0503020000020004" pitchFamily="50" charset="-127"/>
+              <a:ea typeface="맑은 고딕" panose="020B0503020000020004" pitchFamily="50" charset="-127"/>
             </a:endParaRPr>
           </a:p>
           <a:p>
             <a:r>
               <a:rPr lang="ko-KR" altLang="en-US" sz="1800" b="1" dirty="0">
-                <a:latin typeface="+mj-ea"/>
-                <a:ea typeface="+mj-ea"/>
+                <a:latin typeface="맑은 고딕" panose="020B0503020000020004" pitchFamily="50" charset="-127"/>
+                <a:ea typeface="맑은 고딕" panose="020B0503020000020004" pitchFamily="50" charset="-127"/>
               </a:rPr>
               <a:t>디렉토리 지정</a:t>
             </a:r>
             <a:endParaRPr lang="en-US" altLang="ko-KR" sz="1800" b="1" dirty="0">
-              <a:latin typeface="+mj-ea"/>
-              <a:ea typeface="+mj-ea"/>
+              <a:latin typeface="맑은 고딕" panose="020B0503020000020004" pitchFamily="50" charset="-127"/>
+              <a:ea typeface="맑은 고딕" panose="020B0503020000020004" pitchFamily="50" charset="-127"/>
             </a:endParaRPr>
           </a:p>
         </p:txBody>
@@ -6421,96 +6433,96 @@
           <a:p>
             <a:r>
               <a:rPr lang="en-US" altLang="ko-KR" sz="1800" b="1" dirty="0">
-                <a:latin typeface="+mj-ea"/>
-                <a:ea typeface="+mj-ea"/>
+                <a:latin typeface="맑은 고딕" panose="020B0503020000020004" pitchFamily="50" charset="-127"/>
+                <a:ea typeface="맑은 고딕" panose="020B0503020000020004" pitchFamily="50" charset="-127"/>
               </a:rPr>
               <a:t>**</a:t>
             </a:r>
             <a:r>
               <a:rPr lang="ko-KR" altLang="en-US" sz="1800" b="1" dirty="0">
-                <a:latin typeface="+mj-ea"/>
-                <a:ea typeface="+mj-ea"/>
+                <a:latin typeface="맑은 고딕" panose="020B0503020000020004" pitchFamily="50" charset="-127"/>
+                <a:ea typeface="맑은 고딕" panose="020B0503020000020004" pitchFamily="50" charset="-127"/>
               </a:rPr>
               <a:t>프론트 엔드 </a:t>
             </a:r>
             <a:r>
               <a:rPr lang="en-US" altLang="ko-KR" b="1" dirty="0">
-                <a:latin typeface="+mj-ea"/>
-                <a:ea typeface="+mj-ea"/>
+                <a:latin typeface="맑은 고딕" panose="020B0503020000020004" pitchFamily="50" charset="-127"/>
+                <a:ea typeface="맑은 고딕" panose="020B0503020000020004" pitchFamily="50" charset="-127"/>
               </a:rPr>
               <a:t>API </a:t>
             </a:r>
             <a:r>
               <a:rPr lang="ko-KR" altLang="en-US" b="1" dirty="0">
-                <a:latin typeface="+mj-ea"/>
-                <a:ea typeface="+mj-ea"/>
+                <a:latin typeface="맑은 고딕" panose="020B0503020000020004" pitchFamily="50" charset="-127"/>
+                <a:ea typeface="맑은 고딕" panose="020B0503020000020004" pitchFamily="50" charset="-127"/>
               </a:rPr>
               <a:t>통합 </a:t>
             </a:r>
             <a:endParaRPr lang="en-US" altLang="ko-KR" b="1" dirty="0">
-              <a:latin typeface="+mj-ea"/>
-              <a:ea typeface="+mj-ea"/>
+              <a:latin typeface="맑은 고딕" panose="020B0503020000020004" pitchFamily="50" charset="-127"/>
+              <a:ea typeface="맑은 고딕" panose="020B0503020000020004" pitchFamily="50" charset="-127"/>
             </a:endParaRPr>
           </a:p>
           <a:p>
             <a:r>
               <a:rPr lang="en-US" altLang="ko-KR" sz="1800" b="1" dirty="0">
-                <a:latin typeface="+mj-ea"/>
-                <a:ea typeface="+mj-ea"/>
+                <a:latin typeface="맑은 고딕" panose="020B0503020000020004" pitchFamily="50" charset="-127"/>
+                <a:ea typeface="맑은 고딕" panose="020B0503020000020004" pitchFamily="50" charset="-127"/>
               </a:rPr>
               <a:t>- API</a:t>
             </a:r>
             <a:r>
               <a:rPr lang="ko-KR" altLang="en-US" sz="1800" b="1" dirty="0">
-                <a:latin typeface="+mj-ea"/>
-                <a:ea typeface="+mj-ea"/>
+                <a:latin typeface="맑은 고딕" panose="020B0503020000020004" pitchFamily="50" charset="-127"/>
+                <a:ea typeface="맑은 고딕" panose="020B0503020000020004" pitchFamily="50" charset="-127"/>
               </a:rPr>
               <a:t>를 호출하고 데이터를 표시 </a:t>
             </a:r>
             <a:r>
               <a:rPr lang="en-US" altLang="ko-KR" sz="1800" b="1" dirty="0">
-                <a:latin typeface="+mj-ea"/>
-                <a:ea typeface="+mj-ea"/>
+                <a:latin typeface="맑은 고딕" panose="020B0503020000020004" pitchFamily="50" charset="-127"/>
+                <a:ea typeface="맑은 고딕" panose="020B0503020000020004" pitchFamily="50" charset="-127"/>
               </a:rPr>
               <a:t/>
             </a:r>
             <a:br>
               <a:rPr lang="en-US" altLang="ko-KR" sz="1800" b="1" dirty="0">
-                <a:latin typeface="+mj-ea"/>
-                <a:ea typeface="+mj-ea"/>
+                <a:latin typeface="맑은 고딕" panose="020B0503020000020004" pitchFamily="50" charset="-127"/>
+                <a:ea typeface="맑은 고딕" panose="020B0503020000020004" pitchFamily="50" charset="-127"/>
               </a:rPr>
             </a:br>
             <a:r>
               <a:rPr lang="en-US" altLang="ko-KR" b="1" dirty="0">
-                <a:latin typeface="+mj-ea"/>
-                <a:ea typeface="+mj-ea"/>
+                <a:latin typeface="맑은 고딕" panose="020B0503020000020004" pitchFamily="50" charset="-127"/>
+                <a:ea typeface="맑은 고딕" panose="020B0503020000020004" pitchFamily="50" charset="-127"/>
               </a:rPr>
               <a:t>- UI</a:t>
             </a:r>
             <a:r>
               <a:rPr lang="ko-KR" altLang="en-US" b="1" dirty="0">
-                <a:latin typeface="+mj-ea"/>
-                <a:ea typeface="+mj-ea"/>
+                <a:latin typeface="맑은 고딕" panose="020B0503020000020004" pitchFamily="50" charset="-127"/>
+                <a:ea typeface="맑은 고딕" panose="020B0503020000020004" pitchFamily="50" charset="-127"/>
               </a:rPr>
               <a:t>와 </a:t>
             </a:r>
             <a:r>
               <a:rPr lang="en-US" altLang="ko-KR" b="1" dirty="0">
-                <a:latin typeface="+mj-ea"/>
-                <a:ea typeface="+mj-ea"/>
+                <a:latin typeface="맑은 고딕" panose="020B0503020000020004" pitchFamily="50" charset="-127"/>
+                <a:ea typeface="맑은 고딕" panose="020B0503020000020004" pitchFamily="50" charset="-127"/>
               </a:rPr>
               <a:t>API</a:t>
             </a:r>
             <a:r>
               <a:rPr lang="ko-KR" altLang="en-US" b="1" dirty="0">
-                <a:latin typeface="+mj-ea"/>
-                <a:ea typeface="+mj-ea"/>
+                <a:latin typeface="맑은 고딕" panose="020B0503020000020004" pitchFamily="50" charset="-127"/>
+                <a:ea typeface="맑은 고딕" panose="020B0503020000020004" pitchFamily="50" charset="-127"/>
               </a:rPr>
               <a:t>통신을 연결하여 웹 애플리케이션을 완성</a:t>
             </a:r>
             <a:endParaRPr lang="en-US" altLang="ko-KR" b="1" dirty="0">
-              <a:latin typeface="+mj-ea"/>
-              <a:ea typeface="+mj-ea"/>
+              <a:latin typeface="맑은 고딕" panose="020B0503020000020004" pitchFamily="50" charset="-127"/>
+              <a:ea typeface="맑은 고딕" panose="020B0503020000020004" pitchFamily="50" charset="-127"/>
             </a:endParaRPr>
           </a:p>
         </p:txBody>
@@ -6699,8 +6711,8 @@
           <a:p>
             <a:pPr algn="ctr"/>
             <a:endParaRPr lang="ko-KR" altLang="en-US">
-              <a:latin typeface="+mj-ea"/>
-              <a:ea typeface="+mj-ea"/>
+              <a:latin typeface="맑은 고딕" panose="020B0503020000020004" pitchFamily="50" charset="-127"/>
+              <a:ea typeface="맑은 고딕" panose="020B0503020000020004" pitchFamily="50" charset="-127"/>
             </a:endParaRPr>
           </a:p>
         </p:txBody>
@@ -6863,8 +6875,8 @@
           <a:p>
             <a:pPr algn="ctr"/>
             <a:endParaRPr lang="ko-KR" altLang="en-US" sz="1600">
-              <a:latin typeface="+mj-ea"/>
-              <a:ea typeface="+mj-ea"/>
+              <a:latin typeface="맑은 고딕" panose="020B0503020000020004" pitchFamily="50" charset="-127"/>
+              <a:ea typeface="맑은 고딕" panose="020B0503020000020004" pitchFamily="50" charset="-127"/>
             </a:endParaRPr>
           </a:p>
         </p:txBody>
@@ -6943,8 +6955,8 @@
                 <a:solidFill>
                   <a:schemeClr val="accent1"/>
                 </a:solidFill>
-                <a:latin typeface="+mj-ea"/>
-                <a:ea typeface="+mj-ea"/>
+                <a:latin typeface="맑은 고딕" panose="020B0503020000020004" pitchFamily="50" charset="-127"/>
+                <a:ea typeface="맑은 고딕" panose="020B0503020000020004" pitchFamily="50" charset="-127"/>
               </a:rPr>
               <a:t>05-3. </a:t>
             </a:r>
@@ -6953,8 +6965,8 @@
                 <a:solidFill>
                   <a:schemeClr val="accent1"/>
                 </a:solidFill>
-                <a:latin typeface="+mj-ea"/>
-                <a:ea typeface="+mj-ea"/>
+                <a:latin typeface="맑은 고딕" panose="020B0503020000020004" pitchFamily="50" charset="-127"/>
+                <a:ea typeface="맑은 고딕" panose="020B0503020000020004" pitchFamily="50" charset="-127"/>
               </a:rPr>
               <a:t>예산 및 리소스</a:t>
             </a:r>
@@ -6963,8 +6975,8 @@
                 <a:solidFill>
                   <a:schemeClr val="accent1"/>
                 </a:solidFill>
-                <a:latin typeface="+mj-ea"/>
-                <a:ea typeface="+mj-ea"/>
+                <a:latin typeface="맑은 고딕" panose="020B0503020000020004" pitchFamily="50" charset="-127"/>
+                <a:ea typeface="맑은 고딕" panose="020B0503020000020004" pitchFamily="50" charset="-127"/>
               </a:rPr>
               <a:t>(**</a:t>
             </a:r>
@@ -6973,8 +6985,8 @@
                 <a:solidFill>
                   <a:schemeClr val="accent1"/>
                 </a:solidFill>
-                <a:latin typeface="+mj-ea"/>
-                <a:ea typeface="+mj-ea"/>
+                <a:latin typeface="맑은 고딕" panose="020B0503020000020004" pitchFamily="50" charset="-127"/>
+                <a:ea typeface="맑은 고딕" panose="020B0503020000020004" pitchFamily="50" charset="-127"/>
               </a:rPr>
               <a:t>수정 필요</a:t>
             </a:r>
@@ -6983,8 +6995,8 @@
                 <a:solidFill>
                   <a:schemeClr val="accent1"/>
                 </a:solidFill>
-                <a:latin typeface="+mj-ea"/>
-                <a:ea typeface="+mj-ea"/>
+                <a:latin typeface="맑은 고딕" panose="020B0503020000020004" pitchFamily="50" charset="-127"/>
+                <a:ea typeface="맑은 고딕" panose="020B0503020000020004" pitchFamily="50" charset="-127"/>
               </a:rPr>
               <a:t>)</a:t>
             </a:r>
@@ -6993,8 +7005,8 @@
                 <a:solidFill>
                   <a:schemeClr val="accent1"/>
                 </a:solidFill>
-                <a:latin typeface="+mj-ea"/>
-                <a:ea typeface="+mj-ea"/>
+                <a:latin typeface="맑은 고딕" panose="020B0503020000020004" pitchFamily="50" charset="-127"/>
+                <a:ea typeface="맑은 고딕" panose="020B0503020000020004" pitchFamily="50" charset="-127"/>
               </a:rPr>
               <a:t> </a:t>
             </a:r>
@@ -7047,8 +7059,8 @@
           <a:p>
             <a:pPr algn="ctr"/>
             <a:endParaRPr lang="ko-KR" altLang="en-US" sz="1600">
-              <a:latin typeface="+mj-ea"/>
-              <a:ea typeface="+mj-ea"/>
+              <a:latin typeface="맑은 고딕" panose="020B0503020000020004" pitchFamily="50" charset="-127"/>
+              <a:ea typeface="맑은 고딕" panose="020B0503020000020004" pitchFamily="50" charset="-127"/>
             </a:endParaRPr>
           </a:p>
         </p:txBody>
@@ -7087,8 +7099,8 @@
                 <a:solidFill>
                   <a:schemeClr val="bg1"/>
                 </a:solidFill>
-                <a:latin typeface="+mj-ea"/>
-                <a:ea typeface="+mj-ea"/>
+                <a:latin typeface="맑은 고딕" panose="020B0503020000020004" pitchFamily="50" charset="-127"/>
+                <a:ea typeface="맑은 고딕" panose="020B0503020000020004" pitchFamily="50" charset="-127"/>
               </a:rPr>
               <a:t>하드웨어</a:t>
             </a:r>
@@ -7097,8 +7109,8 @@
                 <a:solidFill>
                   <a:schemeClr val="bg1"/>
                 </a:solidFill>
-                <a:latin typeface="+mj-ea"/>
-                <a:ea typeface="+mj-ea"/>
+                <a:latin typeface="맑은 고딕" panose="020B0503020000020004" pitchFamily="50" charset="-127"/>
+                <a:ea typeface="맑은 고딕" panose="020B0503020000020004" pitchFamily="50" charset="-127"/>
               </a:rPr>
               <a:t>, </a:t>
             </a:r>
@@ -7107,8 +7119,8 @@
                 <a:solidFill>
                   <a:schemeClr val="bg1"/>
                 </a:solidFill>
-                <a:latin typeface="+mj-ea"/>
-                <a:ea typeface="+mj-ea"/>
+                <a:latin typeface="맑은 고딕" panose="020B0503020000020004" pitchFamily="50" charset="-127"/>
+                <a:ea typeface="맑은 고딕" panose="020B0503020000020004" pitchFamily="50" charset="-127"/>
               </a:rPr>
               <a:t>소프트 </a:t>
             </a:r>
@@ -7117,8 +7129,8 @@
                 <a:solidFill>
                   <a:schemeClr val="bg1"/>
                 </a:solidFill>
-                <a:latin typeface="+mj-ea"/>
-                <a:ea typeface="+mj-ea"/>
+                <a:latin typeface="맑은 고딕" panose="020B0503020000020004" pitchFamily="50" charset="-127"/>
+                <a:ea typeface="맑은 고딕" panose="020B0503020000020004" pitchFamily="50" charset="-127"/>
               </a:rPr>
               <a:t>웨어</a:t>
             </a:r>
@@ -7127,8 +7139,8 @@
                 <a:solidFill>
                   <a:schemeClr val="bg1"/>
                 </a:solidFill>
-                <a:latin typeface="+mj-ea"/>
-                <a:ea typeface="+mj-ea"/>
+                <a:latin typeface="맑은 고딕" panose="020B0503020000020004" pitchFamily="50" charset="-127"/>
+                <a:ea typeface="맑은 고딕" panose="020B0503020000020004" pitchFamily="50" charset="-127"/>
               </a:rPr>
               <a:t> </a:t>
             </a:r>
@@ -7137,8 +7149,8 @@
                 <a:solidFill>
                   <a:schemeClr val="bg1"/>
                 </a:solidFill>
-                <a:latin typeface="+mj-ea"/>
-                <a:ea typeface="+mj-ea"/>
+                <a:latin typeface="맑은 고딕" panose="020B0503020000020004" pitchFamily="50" charset="-127"/>
+                <a:ea typeface="맑은 고딕" panose="020B0503020000020004" pitchFamily="50" charset="-127"/>
               </a:rPr>
               <a:t>,</a:t>
             </a:r>
@@ -7147,8 +7159,8 @@
                 <a:solidFill>
                   <a:schemeClr val="bg1"/>
                 </a:solidFill>
-                <a:latin typeface="+mj-ea"/>
-                <a:ea typeface="+mj-ea"/>
+                <a:latin typeface="맑은 고딕" panose="020B0503020000020004" pitchFamily="50" charset="-127"/>
+                <a:ea typeface="맑은 고딕" panose="020B0503020000020004" pitchFamily="50" charset="-127"/>
               </a:rPr>
               <a:t>기타 리소스</a:t>
             </a:r>
@@ -7160,8 +7172,8 @@
                 <a:solidFill>
                   <a:schemeClr val="bg1"/>
                 </a:solidFill>
-                <a:latin typeface="+mj-ea"/>
-                <a:ea typeface="+mj-ea"/>
+                <a:latin typeface="맑은 고딕" panose="020B0503020000020004" pitchFamily="50" charset="-127"/>
+                <a:ea typeface="맑은 고딕" panose="020B0503020000020004" pitchFamily="50" charset="-127"/>
               </a:rPr>
               <a:t>₩ </a:t>
             </a:r>
@@ -7170,8 +7182,8 @@
                 <a:solidFill>
                   <a:schemeClr val="bg1"/>
                 </a:solidFill>
-                <a:latin typeface="+mj-ea"/>
-                <a:ea typeface="+mj-ea"/>
+                <a:latin typeface="맑은 고딕" panose="020B0503020000020004" pitchFamily="50" charset="-127"/>
+                <a:ea typeface="맑은 고딕" panose="020B0503020000020004" pitchFamily="50" charset="-127"/>
               </a:rPr>
               <a:t>1,000,000</a:t>
             </a:r>
@@ -7182,8 +7194,8 @@
               <a:solidFill>
                 <a:schemeClr val="bg1"/>
               </a:solidFill>
-              <a:latin typeface="+mj-ea"/>
-              <a:ea typeface="+mj-ea"/>
+              <a:latin typeface="맑은 고딕" panose="020B0503020000020004" pitchFamily="50" charset="-127"/>
+              <a:ea typeface="맑은 고딕" panose="020B0503020000020004" pitchFamily="50" charset="-127"/>
             </a:endParaRPr>
           </a:p>
           <a:p>
@@ -7192,8 +7204,8 @@
               <a:solidFill>
                 <a:schemeClr val="bg1"/>
               </a:solidFill>
-              <a:latin typeface="+mj-ea"/>
-              <a:ea typeface="+mj-ea"/>
+              <a:latin typeface="맑은 고딕" panose="020B0503020000020004" pitchFamily="50" charset="-127"/>
+              <a:ea typeface="맑은 고딕" panose="020B0503020000020004" pitchFamily="50" charset="-127"/>
             </a:endParaRPr>
           </a:p>
           <a:p>
@@ -7202,8 +7214,8 @@
               <a:solidFill>
                 <a:schemeClr val="bg1"/>
               </a:solidFill>
-              <a:latin typeface="+mj-ea"/>
-              <a:ea typeface="+mj-ea"/>
+              <a:latin typeface="맑은 고딕" panose="020B0503020000020004" pitchFamily="50" charset="-127"/>
+              <a:ea typeface="맑은 고딕" panose="020B0503020000020004" pitchFamily="50" charset="-127"/>
             </a:endParaRPr>
           </a:p>
         </p:txBody>
@@ -7254,8 +7266,8 @@
           <a:p>
             <a:pPr algn="ctr"/>
             <a:endParaRPr lang="ko-KR" altLang="en-US" sz="1600">
-              <a:latin typeface="+mj-ea"/>
-              <a:ea typeface="+mj-ea"/>
+              <a:latin typeface="맑은 고딕" panose="020B0503020000020004" pitchFamily="50" charset="-127"/>
+              <a:ea typeface="맑은 고딕" panose="020B0503020000020004" pitchFamily="50" charset="-127"/>
             </a:endParaRPr>
           </a:p>
         </p:txBody>
@@ -7294,8 +7306,8 @@
                 <a:solidFill>
                   <a:schemeClr val="bg1"/>
                 </a:solidFill>
-                <a:latin typeface="+mj-ea"/>
-                <a:ea typeface="+mj-ea"/>
+                <a:latin typeface="맑은 고딕" panose="020B0503020000020004" pitchFamily="50" charset="-127"/>
+                <a:ea typeface="맑은 고딕" panose="020B0503020000020004" pitchFamily="50" charset="-127"/>
               </a:rPr>
               <a:t>Total</a:t>
             </a:r>
@@ -7307,8 +7319,8 @@
                 <a:solidFill>
                   <a:schemeClr val="bg1"/>
                 </a:solidFill>
-                <a:latin typeface="+mj-ea"/>
-                <a:ea typeface="+mj-ea"/>
+                <a:latin typeface="맑은 고딕" panose="020B0503020000020004" pitchFamily="50" charset="-127"/>
+                <a:ea typeface="맑은 고딕" panose="020B0503020000020004" pitchFamily="50" charset="-127"/>
               </a:rPr>
               <a:t>₩ </a:t>
             </a:r>
@@ -7317,8 +7329,8 @@
                 <a:solidFill>
                   <a:schemeClr val="bg1"/>
                 </a:solidFill>
-                <a:latin typeface="+mj-ea"/>
-                <a:ea typeface="+mj-ea"/>
+                <a:latin typeface="맑은 고딕" panose="020B0503020000020004" pitchFamily="50" charset="-127"/>
+                <a:ea typeface="맑은 고딕" panose="020B0503020000020004" pitchFamily="50" charset="-127"/>
               </a:rPr>
               <a:t>2,000,000</a:t>
             </a:r>
@@ -7371,8 +7383,8 @@
           <a:p>
             <a:pPr algn="ctr"/>
             <a:endParaRPr lang="ko-KR" altLang="en-US" sz="1600">
-              <a:latin typeface="+mj-ea"/>
-              <a:ea typeface="+mj-ea"/>
+              <a:latin typeface="맑은 고딕" panose="020B0503020000020004" pitchFamily="50" charset="-127"/>
+              <a:ea typeface="맑은 고딕" panose="020B0503020000020004" pitchFamily="50" charset="-127"/>
             </a:endParaRPr>
           </a:p>
         </p:txBody>
@@ -7411,8 +7423,8 @@
                 <a:solidFill>
                   <a:schemeClr val="bg1"/>
                 </a:solidFill>
-                <a:latin typeface="+mj-ea"/>
-                <a:ea typeface="+mj-ea"/>
+                <a:latin typeface="맑은 고딕" panose="020B0503020000020004" pitchFamily="50" charset="-127"/>
+                <a:ea typeface="맑은 고딕" panose="020B0503020000020004" pitchFamily="50" charset="-127"/>
               </a:rPr>
               <a:t>개발자 </a:t>
             </a:r>
@@ -7421,8 +7433,8 @@
                 <a:solidFill>
                   <a:schemeClr val="bg1"/>
                 </a:solidFill>
-                <a:latin typeface="+mj-ea"/>
-                <a:ea typeface="+mj-ea"/>
+                <a:latin typeface="맑은 고딕" panose="020B0503020000020004" pitchFamily="50" charset="-127"/>
+                <a:ea typeface="맑은 고딕" panose="020B0503020000020004" pitchFamily="50" charset="-127"/>
               </a:rPr>
               <a:t>2 : </a:t>
             </a:r>
@@ -7431,8 +7443,8 @@
                 <a:solidFill>
                   <a:schemeClr val="bg1"/>
                 </a:solidFill>
-                <a:latin typeface="+mj-ea"/>
-                <a:ea typeface="+mj-ea"/>
+                <a:latin typeface="맑은 고딕" panose="020B0503020000020004" pitchFamily="50" charset="-127"/>
+                <a:ea typeface="맑은 고딕" panose="020B0503020000020004" pitchFamily="50" charset="-127"/>
               </a:rPr>
               <a:t>전은평</a:t>
             </a:r>
@@ -7440,8 +7452,8 @@
               <a:solidFill>
                 <a:schemeClr val="bg1"/>
               </a:solidFill>
-              <a:latin typeface="+mj-ea"/>
-              <a:ea typeface="+mj-ea"/>
+              <a:latin typeface="맑은 고딕" panose="020B0503020000020004" pitchFamily="50" charset="-127"/>
+              <a:ea typeface="맑은 고딕" panose="020B0503020000020004" pitchFamily="50" charset="-127"/>
             </a:endParaRPr>
           </a:p>
           <a:p>
@@ -7451,8 +7463,8 @@
                 <a:solidFill>
                   <a:schemeClr val="bg1"/>
                 </a:solidFill>
-                <a:latin typeface="+mj-ea"/>
-                <a:ea typeface="+mj-ea"/>
+                <a:latin typeface="맑은 고딕" panose="020B0503020000020004" pitchFamily="50" charset="-127"/>
+                <a:ea typeface="맑은 고딕" panose="020B0503020000020004" pitchFamily="50" charset="-127"/>
               </a:rPr>
               <a:t>AA,BB </a:t>
             </a:r>
@@ -7461,8 +7473,8 @@
                 <a:solidFill>
                   <a:schemeClr val="bg1"/>
                 </a:solidFill>
-                <a:latin typeface="+mj-ea"/>
-                <a:ea typeface="+mj-ea"/>
+                <a:latin typeface="맑은 고딕" panose="020B0503020000020004" pitchFamily="50" charset="-127"/>
+                <a:ea typeface="맑은 고딕" panose="020B0503020000020004" pitchFamily="50" charset="-127"/>
               </a:rPr>
               <a:t>구현</a:t>
             </a:r>
@@ -7474,8 +7486,8 @@
                 <a:solidFill>
                   <a:schemeClr val="bg1"/>
                 </a:solidFill>
-                <a:latin typeface="+mj-ea"/>
-                <a:ea typeface="+mj-ea"/>
+                <a:latin typeface="맑은 고딕" panose="020B0503020000020004" pitchFamily="50" charset="-127"/>
+                <a:ea typeface="맑은 고딕" panose="020B0503020000020004" pitchFamily="50" charset="-127"/>
               </a:rPr>
               <a:t>₩ </a:t>
             </a:r>
@@ -7484,8 +7496,8 @@
                 <a:solidFill>
                   <a:schemeClr val="bg1"/>
                 </a:solidFill>
-                <a:latin typeface="+mj-ea"/>
-                <a:ea typeface="+mj-ea"/>
+                <a:latin typeface="맑은 고딕" panose="020B0503020000020004" pitchFamily="50" charset="-127"/>
+                <a:ea typeface="맑은 고딕" panose="020B0503020000020004" pitchFamily="50" charset="-127"/>
               </a:rPr>
               <a:t>500,000</a:t>
             </a:r>
@@ -7496,8 +7508,8 @@
               <a:solidFill>
                 <a:schemeClr val="bg1"/>
               </a:solidFill>
-              <a:latin typeface="+mj-ea"/>
-              <a:ea typeface="+mj-ea"/>
+              <a:latin typeface="맑은 고딕" panose="020B0503020000020004" pitchFamily="50" charset="-127"/>
+              <a:ea typeface="맑은 고딕" panose="020B0503020000020004" pitchFamily="50" charset="-127"/>
             </a:endParaRPr>
           </a:p>
           <a:p>
@@ -7506,8 +7518,8 @@
               <a:solidFill>
                 <a:schemeClr val="bg1"/>
               </a:solidFill>
-              <a:latin typeface="+mj-ea"/>
-              <a:ea typeface="+mj-ea"/>
+              <a:latin typeface="맑은 고딕" panose="020B0503020000020004" pitchFamily="50" charset="-127"/>
+              <a:ea typeface="맑은 고딕" panose="020B0503020000020004" pitchFamily="50" charset="-127"/>
             </a:endParaRPr>
           </a:p>
           <a:p>
@@ -7516,8 +7528,8 @@
               <a:solidFill>
                 <a:schemeClr val="bg1"/>
               </a:solidFill>
-              <a:latin typeface="+mj-ea"/>
-              <a:ea typeface="+mj-ea"/>
+              <a:latin typeface="맑은 고딕" panose="020B0503020000020004" pitchFamily="50" charset="-127"/>
+              <a:ea typeface="맑은 고딕" panose="020B0503020000020004" pitchFamily="50" charset="-127"/>
             </a:endParaRPr>
           </a:p>
         </p:txBody>
@@ -7556,8 +7568,8 @@
                 <a:solidFill>
                   <a:schemeClr val="bg1"/>
                 </a:solidFill>
-                <a:latin typeface="+mj-ea"/>
-                <a:ea typeface="+mj-ea"/>
+                <a:latin typeface="맑은 고딕" panose="020B0503020000020004" pitchFamily="50" charset="-127"/>
+                <a:ea typeface="맑은 고딕" panose="020B0503020000020004" pitchFamily="50" charset="-127"/>
               </a:rPr>
               <a:t>개발자 </a:t>
             </a:r>
@@ -7566,8 +7578,8 @@
                 <a:solidFill>
                   <a:schemeClr val="bg1"/>
                 </a:solidFill>
-                <a:latin typeface="+mj-ea"/>
-                <a:ea typeface="+mj-ea"/>
+                <a:latin typeface="맑은 고딕" panose="020B0503020000020004" pitchFamily="50" charset="-127"/>
+                <a:ea typeface="맑은 고딕" panose="020B0503020000020004" pitchFamily="50" charset="-127"/>
               </a:rPr>
               <a:t>1 : </a:t>
             </a:r>
@@ -7576,8 +7588,8 @@
                 <a:solidFill>
                   <a:schemeClr val="bg1"/>
                 </a:solidFill>
-                <a:latin typeface="+mj-ea"/>
-                <a:ea typeface="+mj-ea"/>
+                <a:latin typeface="맑은 고딕" panose="020B0503020000020004" pitchFamily="50" charset="-127"/>
+                <a:ea typeface="맑은 고딕" panose="020B0503020000020004" pitchFamily="50" charset="-127"/>
               </a:rPr>
               <a:t>이동혁</a:t>
             </a:r>
@@ -7585,8 +7597,8 @@
               <a:solidFill>
                 <a:schemeClr val="bg1"/>
               </a:solidFill>
-              <a:latin typeface="+mj-ea"/>
-              <a:ea typeface="+mj-ea"/>
+              <a:latin typeface="맑은 고딕" panose="020B0503020000020004" pitchFamily="50" charset="-127"/>
+              <a:ea typeface="맑은 고딕" panose="020B0503020000020004" pitchFamily="50" charset="-127"/>
             </a:endParaRPr>
           </a:p>
           <a:p>
@@ -7596,8 +7608,8 @@
                 <a:solidFill>
                   <a:schemeClr val="bg1"/>
                 </a:solidFill>
-                <a:latin typeface="+mj-ea"/>
-                <a:ea typeface="+mj-ea"/>
+                <a:latin typeface="맑은 고딕" panose="020B0503020000020004" pitchFamily="50" charset="-127"/>
+                <a:ea typeface="맑은 고딕" panose="020B0503020000020004" pitchFamily="50" charset="-127"/>
               </a:rPr>
               <a:t>AA,BB </a:t>
             </a:r>
@@ -7606,8 +7618,8 @@
                 <a:solidFill>
                   <a:schemeClr val="bg1"/>
                 </a:solidFill>
-                <a:latin typeface="+mj-ea"/>
-                <a:ea typeface="+mj-ea"/>
+                <a:latin typeface="맑은 고딕" panose="020B0503020000020004" pitchFamily="50" charset="-127"/>
+                <a:ea typeface="맑은 고딕" panose="020B0503020000020004" pitchFamily="50" charset="-127"/>
               </a:rPr>
               <a:t>구현</a:t>
             </a:r>
@@ -7619,8 +7631,8 @@
                 <a:solidFill>
                   <a:schemeClr val="bg1"/>
                 </a:solidFill>
-                <a:latin typeface="+mj-ea"/>
-                <a:ea typeface="+mj-ea"/>
+                <a:latin typeface="맑은 고딕" panose="020B0503020000020004" pitchFamily="50" charset="-127"/>
+                <a:ea typeface="맑은 고딕" panose="020B0503020000020004" pitchFamily="50" charset="-127"/>
               </a:rPr>
               <a:t>₩ </a:t>
             </a:r>
@@ -7629,8 +7641,8 @@
                 <a:solidFill>
                   <a:schemeClr val="bg1"/>
                 </a:solidFill>
-                <a:latin typeface="+mj-ea"/>
-                <a:ea typeface="+mj-ea"/>
+                <a:latin typeface="맑은 고딕" panose="020B0503020000020004" pitchFamily="50" charset="-127"/>
+                <a:ea typeface="맑은 고딕" panose="020B0503020000020004" pitchFamily="50" charset="-127"/>
               </a:rPr>
               <a:t>500,000</a:t>
             </a:r>
@@ -7641,8 +7653,8 @@
               <a:solidFill>
                 <a:schemeClr val="bg1"/>
               </a:solidFill>
-              <a:latin typeface="+mj-ea"/>
-              <a:ea typeface="+mj-ea"/>
+              <a:latin typeface="맑은 고딕" panose="020B0503020000020004" pitchFamily="50" charset="-127"/>
+              <a:ea typeface="맑은 고딕" panose="020B0503020000020004" pitchFamily="50" charset="-127"/>
             </a:endParaRPr>
           </a:p>
           <a:p>
@@ -7651,8 +7663,8 @@
               <a:solidFill>
                 <a:schemeClr val="bg1"/>
               </a:solidFill>
-              <a:latin typeface="+mj-ea"/>
-              <a:ea typeface="+mj-ea"/>
+              <a:latin typeface="맑은 고딕" panose="020B0503020000020004" pitchFamily="50" charset="-127"/>
+              <a:ea typeface="맑은 고딕" panose="020B0503020000020004" pitchFamily="50" charset="-127"/>
             </a:endParaRPr>
           </a:p>
           <a:p>
@@ -7661,8 +7673,8 @@
               <a:solidFill>
                 <a:schemeClr val="bg1"/>
               </a:solidFill>
-              <a:latin typeface="+mj-ea"/>
-              <a:ea typeface="+mj-ea"/>
+              <a:latin typeface="맑은 고딕" panose="020B0503020000020004" pitchFamily="50" charset="-127"/>
+              <a:ea typeface="맑은 고딕" panose="020B0503020000020004" pitchFamily="50" charset="-127"/>
             </a:endParaRPr>
           </a:p>
         </p:txBody>
@@ -8002,8 +8014,8 @@
                 <a:solidFill>
                   <a:schemeClr val="accent1"/>
                 </a:solidFill>
-                <a:latin typeface="+mj-ea"/>
-                <a:ea typeface="+mj-ea"/>
+                <a:latin typeface="맑은 고딕" panose="020B0503020000020004" pitchFamily="50" charset="-127"/>
+                <a:ea typeface="맑은 고딕" panose="020B0503020000020004" pitchFamily="50" charset="-127"/>
               </a:rPr>
               <a:t>목차</a:t>
             </a:r>
@@ -8043,8 +8055,8 @@
                 <a:solidFill>
                   <a:schemeClr val="accent1"/>
                 </a:solidFill>
-                <a:latin typeface="+mj-ea"/>
-                <a:ea typeface="+mj-ea"/>
+                <a:latin typeface="맑은 고딕" panose="020B0503020000020004" pitchFamily="50" charset="-127"/>
+                <a:ea typeface="맑은 고딕" panose="020B0503020000020004" pitchFamily="50" charset="-127"/>
               </a:rPr>
               <a:t>1</a:t>
             </a:r>
@@ -8052,8 +8064,8 @@
               <a:solidFill>
                 <a:schemeClr val="accent1"/>
               </a:solidFill>
-              <a:latin typeface="+mj-ea"/>
-              <a:ea typeface="+mj-ea"/>
+              <a:latin typeface="맑은 고딕" panose="020B0503020000020004" pitchFamily="50" charset="-127"/>
+              <a:ea typeface="맑은 고딕" panose="020B0503020000020004" pitchFamily="50" charset="-127"/>
             </a:endParaRPr>
           </a:p>
         </p:txBody>
@@ -8091,8 +8103,8 @@
                 <a:solidFill>
                   <a:schemeClr val="accent1"/>
                 </a:solidFill>
-                <a:latin typeface="+mj-ea"/>
-                <a:ea typeface="+mj-ea"/>
+                <a:latin typeface="맑은 고딕" panose="020B0503020000020004" pitchFamily="50" charset="-127"/>
+                <a:ea typeface="맑은 고딕" panose="020B0503020000020004" pitchFamily="50" charset="-127"/>
               </a:rPr>
               <a:t>프로젝트 목표</a:t>
             </a:r>
@@ -8101,8 +8113,8 @@
                 <a:solidFill>
                   <a:schemeClr val="accent1"/>
                 </a:solidFill>
-                <a:latin typeface="+mj-ea"/>
-                <a:ea typeface="+mj-ea"/>
+                <a:latin typeface="맑은 고딕" panose="020B0503020000020004" pitchFamily="50" charset="-127"/>
+                <a:ea typeface="맑은 고딕" panose="020B0503020000020004" pitchFamily="50" charset="-127"/>
               </a:rPr>
               <a:t>/ </a:t>
             </a:r>
@@ -8111,8 +8123,8 @@
                 <a:solidFill>
                   <a:schemeClr val="accent1"/>
                 </a:solidFill>
-                <a:latin typeface="+mj-ea"/>
-                <a:ea typeface="+mj-ea"/>
+                <a:latin typeface="맑은 고딕" panose="020B0503020000020004" pitchFamily="50" charset="-127"/>
+                <a:ea typeface="맑은 고딕" panose="020B0503020000020004" pitchFamily="50" charset="-127"/>
               </a:rPr>
               <a:t>시장</a:t>
             </a:r>
@@ -8152,8 +8164,8 @@
                 <a:solidFill>
                   <a:schemeClr val="accent1"/>
                 </a:solidFill>
-                <a:latin typeface="+mj-ea"/>
-                <a:ea typeface="+mj-ea"/>
+                <a:latin typeface="맑은 고딕" panose="020B0503020000020004" pitchFamily="50" charset="-127"/>
+                <a:ea typeface="맑은 고딕" panose="020B0503020000020004" pitchFamily="50" charset="-127"/>
               </a:rPr>
               <a:t>2</a:t>
             </a:r>
@@ -8161,8 +8173,8 @@
               <a:solidFill>
                 <a:schemeClr val="accent1"/>
               </a:solidFill>
-              <a:latin typeface="+mj-ea"/>
-              <a:ea typeface="+mj-ea"/>
+              <a:latin typeface="맑은 고딕" panose="020B0503020000020004" pitchFamily="50" charset="-127"/>
+              <a:ea typeface="맑은 고딕" panose="020B0503020000020004" pitchFamily="50" charset="-127"/>
             </a:endParaRPr>
           </a:p>
         </p:txBody>
@@ -8200,8 +8212,8 @@
                 <a:solidFill>
                   <a:schemeClr val="accent1"/>
                 </a:solidFill>
-                <a:latin typeface="+mj-ea"/>
-                <a:ea typeface="+mj-ea"/>
+                <a:latin typeface="맑은 고딕" panose="020B0503020000020004" pitchFamily="50" charset="-127"/>
+                <a:ea typeface="맑은 고딕" panose="020B0503020000020004" pitchFamily="50" charset="-127"/>
               </a:rPr>
               <a:t>문제 정의 </a:t>
             </a:r>
@@ -8210,8 +8222,8 @@
                 <a:solidFill>
                   <a:schemeClr val="accent1"/>
                 </a:solidFill>
-                <a:latin typeface="+mj-ea"/>
-                <a:ea typeface="+mj-ea"/>
+                <a:latin typeface="맑은 고딕" panose="020B0503020000020004" pitchFamily="50" charset="-127"/>
+                <a:ea typeface="맑은 고딕" panose="020B0503020000020004" pitchFamily="50" charset="-127"/>
               </a:rPr>
               <a:t>/ </a:t>
             </a:r>
@@ -8220,8 +8232,8 @@
                 <a:solidFill>
                   <a:schemeClr val="accent1"/>
                 </a:solidFill>
-                <a:latin typeface="+mj-ea"/>
-                <a:ea typeface="+mj-ea"/>
+                <a:latin typeface="맑은 고딕" panose="020B0503020000020004" pitchFamily="50" charset="-127"/>
+                <a:ea typeface="맑은 고딕" panose="020B0503020000020004" pitchFamily="50" charset="-127"/>
               </a:rPr>
               <a:t>기회</a:t>
             </a:r>
@@ -8261,8 +8273,8 @@
                 <a:solidFill>
                   <a:schemeClr val="accent1"/>
                 </a:solidFill>
-                <a:latin typeface="+mj-ea"/>
-                <a:ea typeface="+mj-ea"/>
+                <a:latin typeface="맑은 고딕" panose="020B0503020000020004" pitchFamily="50" charset="-127"/>
+                <a:ea typeface="맑은 고딕" panose="020B0503020000020004" pitchFamily="50" charset="-127"/>
               </a:rPr>
               <a:t>3</a:t>
             </a:r>
@@ -8270,8 +8282,8 @@
               <a:solidFill>
                 <a:schemeClr val="accent1"/>
               </a:solidFill>
-              <a:latin typeface="+mj-ea"/>
-              <a:ea typeface="+mj-ea"/>
+              <a:latin typeface="맑은 고딕" panose="020B0503020000020004" pitchFamily="50" charset="-127"/>
+              <a:ea typeface="맑은 고딕" panose="020B0503020000020004" pitchFamily="50" charset="-127"/>
             </a:endParaRPr>
           </a:p>
         </p:txBody>
@@ -8309,8 +8321,8 @@
                 <a:solidFill>
                   <a:schemeClr val="accent1"/>
                 </a:solidFill>
-                <a:latin typeface="+mj-ea"/>
-                <a:ea typeface="+mj-ea"/>
+                <a:latin typeface="맑은 고딕" panose="020B0503020000020004" pitchFamily="50" charset="-127"/>
+                <a:ea typeface="맑은 고딕" panose="020B0503020000020004" pitchFamily="50" charset="-127"/>
               </a:rPr>
               <a:t>예상효과</a:t>
             </a:r>
@@ -8319,8 +8331,8 @@
                 <a:solidFill>
                   <a:schemeClr val="accent1"/>
                 </a:solidFill>
-                <a:latin typeface="+mj-ea"/>
-                <a:ea typeface="+mj-ea"/>
+                <a:latin typeface="맑은 고딕" panose="020B0503020000020004" pitchFamily="50" charset="-127"/>
+                <a:ea typeface="맑은 고딕" panose="020B0503020000020004" pitchFamily="50" charset="-127"/>
               </a:rPr>
               <a:t>/ </a:t>
             </a:r>
@@ -8329,8 +8341,8 @@
                 <a:solidFill>
                   <a:schemeClr val="accent1"/>
                 </a:solidFill>
-                <a:latin typeface="+mj-ea"/>
-                <a:ea typeface="+mj-ea"/>
+                <a:latin typeface="맑은 고딕" panose="020B0503020000020004" pitchFamily="50" charset="-127"/>
+                <a:ea typeface="맑은 고딕" panose="020B0503020000020004" pitchFamily="50" charset="-127"/>
               </a:rPr>
               <a:t>요구사항</a:t>
             </a:r>
@@ -8370,8 +8382,8 @@
                 <a:solidFill>
                   <a:schemeClr val="accent1"/>
                 </a:solidFill>
-                <a:latin typeface="+mj-ea"/>
-                <a:ea typeface="+mj-ea"/>
+                <a:latin typeface="맑은 고딕" panose="020B0503020000020004" pitchFamily="50" charset="-127"/>
+                <a:ea typeface="맑은 고딕" panose="020B0503020000020004" pitchFamily="50" charset="-127"/>
               </a:rPr>
               <a:t>4</a:t>
             </a:r>
@@ -8379,8 +8391,8 @@
               <a:solidFill>
                 <a:schemeClr val="accent1"/>
               </a:solidFill>
-              <a:latin typeface="+mj-ea"/>
-              <a:ea typeface="+mj-ea"/>
+              <a:latin typeface="맑은 고딕" panose="020B0503020000020004" pitchFamily="50" charset="-127"/>
+              <a:ea typeface="맑은 고딕" panose="020B0503020000020004" pitchFamily="50" charset="-127"/>
             </a:endParaRPr>
           </a:p>
         </p:txBody>
@@ -8418,8 +8430,8 @@
                 <a:solidFill>
                   <a:schemeClr val="accent1"/>
                 </a:solidFill>
-                <a:latin typeface="+mj-ea"/>
-                <a:ea typeface="+mj-ea"/>
+                <a:latin typeface="맑은 고딕" panose="020B0503020000020004" pitchFamily="50" charset="-127"/>
+                <a:ea typeface="맑은 고딕" panose="020B0503020000020004" pitchFamily="50" charset="-127"/>
               </a:rPr>
               <a:t>기능명세</a:t>
             </a:r>
@@ -8428,8 +8440,8 @@
                 <a:solidFill>
                   <a:schemeClr val="accent1"/>
                 </a:solidFill>
-                <a:latin typeface="+mj-ea"/>
-                <a:ea typeface="+mj-ea"/>
+                <a:latin typeface="맑은 고딕" panose="020B0503020000020004" pitchFamily="50" charset="-127"/>
+                <a:ea typeface="맑은 고딕" panose="020B0503020000020004" pitchFamily="50" charset="-127"/>
               </a:rPr>
               <a:t>/ </a:t>
             </a:r>
@@ -8438,8 +8450,8 @@
                 <a:solidFill>
                   <a:schemeClr val="accent1"/>
                 </a:solidFill>
-                <a:latin typeface="+mj-ea"/>
-                <a:ea typeface="+mj-ea"/>
+                <a:latin typeface="맑은 고딕" panose="020B0503020000020004" pitchFamily="50" charset="-127"/>
+                <a:ea typeface="맑은 고딕" panose="020B0503020000020004" pitchFamily="50" charset="-127"/>
               </a:rPr>
               <a:t> 기술 스택</a:t>
             </a:r>
@@ -8479,8 +8491,8 @@
                 <a:solidFill>
                   <a:schemeClr val="accent1"/>
                 </a:solidFill>
-                <a:latin typeface="+mj-ea"/>
-                <a:ea typeface="+mj-ea"/>
+                <a:latin typeface="맑은 고딕" panose="020B0503020000020004" pitchFamily="50" charset="-127"/>
+                <a:ea typeface="맑은 고딕" panose="020B0503020000020004" pitchFamily="50" charset="-127"/>
               </a:rPr>
               <a:t>table of contents</a:t>
             </a:r>
@@ -8488,8 +8500,8 @@
               <a:solidFill>
                 <a:schemeClr val="accent1"/>
               </a:solidFill>
-              <a:latin typeface="+mj-ea"/>
-              <a:ea typeface="+mj-ea"/>
+              <a:latin typeface="맑은 고딕" panose="020B0503020000020004" pitchFamily="50" charset="-127"/>
+              <a:ea typeface="맑은 고딕" panose="020B0503020000020004" pitchFamily="50" charset="-127"/>
             </a:endParaRPr>
           </a:p>
         </p:txBody>
@@ -8528,8 +8540,8 @@
                 <a:solidFill>
                   <a:schemeClr val="accent1"/>
                 </a:solidFill>
-                <a:latin typeface="+mj-ea"/>
-                <a:ea typeface="+mj-ea"/>
+                <a:latin typeface="맑은 고딕" panose="020B0503020000020004" pitchFamily="50" charset="-127"/>
+                <a:ea typeface="맑은 고딕" panose="020B0503020000020004" pitchFamily="50" charset="-127"/>
                 <a:cs typeface="Arial" panose="020B0604020202020204" pitchFamily="34" charset="0"/>
               </a:rPr>
               <a:t>ⓒSaebyeol Yu.</a:t>
@@ -8539,8 +8551,8 @@
                 <a:solidFill>
                   <a:schemeClr val="accent1"/>
                 </a:solidFill>
-                <a:latin typeface="+mj-ea"/>
-                <a:ea typeface="+mj-ea"/>
+                <a:latin typeface="맑은 고딕" panose="020B0503020000020004" pitchFamily="50" charset="-127"/>
+                <a:ea typeface="맑은 고딕" panose="020B0503020000020004" pitchFamily="50" charset="-127"/>
                 <a:cs typeface="Arial" panose="020B0604020202020204" pitchFamily="34" charset="0"/>
               </a:rPr>
               <a:t> </a:t>
@@ -8550,8 +8562,8 @@
                 <a:solidFill>
                   <a:schemeClr val="accent1"/>
                 </a:solidFill>
-                <a:latin typeface="+mj-ea"/>
-                <a:ea typeface="+mj-ea"/>
+                <a:latin typeface="맑은 고딕" panose="020B0503020000020004" pitchFamily="50" charset="-127"/>
+                <a:ea typeface="맑은 고딕" panose="020B0503020000020004" pitchFamily="50" charset="-127"/>
                 <a:cs typeface="Arial" panose="020B0604020202020204" pitchFamily="34" charset="0"/>
               </a:rPr>
               <a:t>Saebyeol’s</a:t>
@@ -8561,8 +8573,8 @@
                 <a:solidFill>
                   <a:schemeClr val="accent1"/>
                 </a:solidFill>
-                <a:latin typeface="+mj-ea"/>
-                <a:ea typeface="+mj-ea"/>
+                <a:latin typeface="맑은 고딕" panose="020B0503020000020004" pitchFamily="50" charset="-127"/>
+                <a:ea typeface="맑은 고딕" panose="020B0503020000020004" pitchFamily="50" charset="-127"/>
                 <a:cs typeface="Arial" panose="020B0604020202020204" pitchFamily="34" charset="0"/>
               </a:rPr>
               <a:t> </a:t>
@@ -8572,8 +8584,8 @@
                 <a:solidFill>
                   <a:schemeClr val="accent1"/>
                 </a:solidFill>
-                <a:latin typeface="+mj-ea"/>
-                <a:ea typeface="+mj-ea"/>
+                <a:latin typeface="맑은 고딕" panose="020B0503020000020004" pitchFamily="50" charset="-127"/>
+                <a:ea typeface="맑은 고딕" panose="020B0503020000020004" pitchFamily="50" charset="-127"/>
                 <a:cs typeface="Arial" panose="020B0604020202020204" pitchFamily="34" charset="0"/>
               </a:rPr>
               <a:t>PowerPoint</a:t>
@@ -8582,8 +8594,8 @@
               <a:solidFill>
                 <a:schemeClr val="accent1"/>
               </a:solidFill>
-              <a:latin typeface="+mj-ea"/>
-              <a:ea typeface="+mj-ea"/>
+              <a:latin typeface="맑은 고딕" panose="020B0503020000020004" pitchFamily="50" charset="-127"/>
+              <a:ea typeface="맑은 고딕" panose="020B0503020000020004" pitchFamily="50" charset="-127"/>
               <a:cs typeface="Arial" panose="020B0604020202020204" pitchFamily="34" charset="0"/>
             </a:endParaRPr>
           </a:p>
@@ -8622,8 +8634,8 @@
                 <a:solidFill>
                   <a:schemeClr val="accent1"/>
                 </a:solidFill>
-                <a:latin typeface="+mj-ea"/>
-                <a:ea typeface="+mj-ea"/>
+                <a:latin typeface="맑은 고딕" panose="020B0503020000020004" pitchFamily="50" charset="-127"/>
+                <a:ea typeface="맑은 고딕" panose="020B0503020000020004" pitchFamily="50" charset="-127"/>
               </a:rPr>
               <a:t>5</a:t>
             </a:r>
@@ -8631,8 +8643,8 @@
               <a:solidFill>
                 <a:schemeClr val="accent1"/>
               </a:solidFill>
-              <a:latin typeface="+mj-ea"/>
-              <a:ea typeface="+mj-ea"/>
+              <a:latin typeface="맑은 고딕" panose="020B0503020000020004" pitchFamily="50" charset="-127"/>
+              <a:ea typeface="맑은 고딕" panose="020B0503020000020004" pitchFamily="50" charset="-127"/>
             </a:endParaRPr>
           </a:p>
         </p:txBody>
@@ -8670,8 +8682,8 @@
                 <a:solidFill>
                   <a:schemeClr val="accent1"/>
                 </a:solidFill>
-                <a:latin typeface="+mj-ea"/>
-                <a:ea typeface="+mj-ea"/>
+                <a:latin typeface="맑은 고딕" panose="020B0503020000020004" pitchFamily="50" charset="-127"/>
+                <a:ea typeface="맑은 고딕" panose="020B0503020000020004" pitchFamily="50" charset="-127"/>
               </a:rPr>
               <a:t>일정 및 마일스톤</a:t>
             </a:r>
@@ -8680,8 +8692,8 @@
                 <a:solidFill>
                   <a:schemeClr val="accent1"/>
                 </a:solidFill>
-                <a:latin typeface="+mj-ea"/>
-                <a:ea typeface="+mj-ea"/>
+                <a:latin typeface="맑은 고딕" panose="020B0503020000020004" pitchFamily="50" charset="-127"/>
+                <a:ea typeface="맑은 고딕" panose="020B0503020000020004" pitchFamily="50" charset="-127"/>
               </a:rPr>
               <a:t>, </a:t>
             </a:r>
@@ -8690,8 +8702,8 @@
                 <a:solidFill>
                   <a:schemeClr val="accent1"/>
                 </a:solidFill>
-                <a:latin typeface="+mj-ea"/>
-                <a:ea typeface="+mj-ea"/>
+                <a:latin typeface="맑은 고딕" panose="020B0503020000020004" pitchFamily="50" charset="-127"/>
+                <a:ea typeface="맑은 고딕" panose="020B0503020000020004" pitchFamily="50" charset="-127"/>
               </a:rPr>
               <a:t>리소스</a:t>
             </a:r>
@@ -8789,8 +8801,8 @@
                   <a:solidFill>
                     <a:schemeClr val="bg1"/>
                   </a:solidFill>
-                  <a:latin typeface="+mj-ea"/>
-                  <a:ea typeface="+mj-ea"/>
+                  <a:latin typeface="맑은 고딕" panose="020B0503020000020004" pitchFamily="50" charset="-127"/>
+                  <a:ea typeface="맑은 고딕" panose="020B0503020000020004" pitchFamily="50" charset="-127"/>
                 </a:rPr>
                 <a:t>1</a:t>
               </a:r>
@@ -8798,8 +8810,8 @@
                 <a:solidFill>
                   <a:schemeClr val="bg1"/>
                 </a:solidFill>
-                <a:latin typeface="+mj-ea"/>
-                <a:ea typeface="+mj-ea"/>
+                <a:latin typeface="맑은 고딕" panose="020B0503020000020004" pitchFamily="50" charset="-127"/>
+                <a:ea typeface="맑은 고딕" panose="020B0503020000020004" pitchFamily="50" charset="-127"/>
               </a:endParaRPr>
             </a:p>
           </p:txBody>
@@ -8837,8 +8849,8 @@
                   <a:solidFill>
                     <a:schemeClr val="bg1"/>
                   </a:solidFill>
-                  <a:latin typeface="+mj-ea"/>
-                  <a:ea typeface="+mj-ea"/>
+                  <a:latin typeface="맑은 고딕" panose="020B0503020000020004" pitchFamily="50" charset="-127"/>
+                  <a:ea typeface="맑은 고딕" panose="020B0503020000020004" pitchFamily="50" charset="-127"/>
                 </a:rPr>
                 <a:t>프로젝트 목표</a:t>
               </a:r>
@@ -8847,8 +8859,8 @@
                   <a:solidFill>
                     <a:schemeClr val="bg1"/>
                   </a:solidFill>
-                  <a:latin typeface="+mj-ea"/>
-                  <a:ea typeface="+mj-ea"/>
+                  <a:latin typeface="맑은 고딕" panose="020B0503020000020004" pitchFamily="50" charset="-127"/>
+                  <a:ea typeface="맑은 고딕" panose="020B0503020000020004" pitchFamily="50" charset="-127"/>
                 </a:rPr>
                 <a:t>/ </a:t>
               </a:r>
@@ -8857,8 +8869,8 @@
                   <a:solidFill>
                     <a:schemeClr val="bg1"/>
                   </a:solidFill>
-                  <a:latin typeface="+mj-ea"/>
-                  <a:ea typeface="+mj-ea"/>
+                  <a:latin typeface="맑은 고딕" panose="020B0503020000020004" pitchFamily="50" charset="-127"/>
+                  <a:ea typeface="맑은 고딕" panose="020B0503020000020004" pitchFamily="50" charset="-127"/>
                 </a:rPr>
                 <a:t>시장</a:t>
               </a:r>
@@ -9028,8 +9040,8 @@
                     <a:lumMod val="50000"/>
                   </a:schemeClr>
                 </a:solidFill>
-                <a:latin typeface="+mj-ea"/>
-                <a:ea typeface="+mj-ea"/>
+                <a:latin typeface="맑은 고딕" panose="020B0503020000020004" pitchFamily="50" charset="-127"/>
+                <a:ea typeface="맑은 고딕" panose="020B0503020000020004" pitchFamily="50" charset="-127"/>
               </a:rPr>
               <a:t>1. </a:t>
             </a:r>
@@ -9040,8 +9052,8 @@
                     <a:lumMod val="50000"/>
                   </a:schemeClr>
                 </a:solidFill>
-                <a:latin typeface="+mj-ea"/>
-                <a:ea typeface="+mj-ea"/>
+                <a:latin typeface="맑은 고딕" panose="020B0503020000020004" pitchFamily="50" charset="-127"/>
+                <a:ea typeface="맑은 고딕" panose="020B0503020000020004" pitchFamily="50" charset="-127"/>
               </a:rPr>
               <a:t>프로젝트 목표</a:t>
             </a:r>
@@ -9051,8 +9063,8 @@
                   <a:lumMod val="50000"/>
                 </a:schemeClr>
               </a:solidFill>
-              <a:latin typeface="+mj-ea"/>
-              <a:ea typeface="+mj-ea"/>
+              <a:latin typeface="맑은 고딕" panose="020B0503020000020004" pitchFamily="50" charset="-127"/>
+              <a:ea typeface="맑은 고딕" panose="020B0503020000020004" pitchFamily="50" charset="-127"/>
             </a:endParaRPr>
           </a:p>
           <a:p>
@@ -9063,8 +9075,8 @@
                     <a:lumMod val="50000"/>
                   </a:schemeClr>
                 </a:solidFill>
-                <a:latin typeface="+mj-ea"/>
-                <a:ea typeface="+mj-ea"/>
+                <a:latin typeface="맑은 고딕" panose="020B0503020000020004" pitchFamily="50" charset="-127"/>
+                <a:ea typeface="맑은 고딕" panose="020B0503020000020004" pitchFamily="50" charset="-127"/>
               </a:rPr>
               <a:t>:  </a:t>
             </a:r>
@@ -9075,8 +9087,8 @@
                     <a:lumMod val="50000"/>
                   </a:schemeClr>
                 </a:solidFill>
-                <a:latin typeface="+mj-ea"/>
-                <a:ea typeface="+mj-ea"/>
+                <a:latin typeface="맑은 고딕" panose="020B0503020000020004" pitchFamily="50" charset="-127"/>
+                <a:ea typeface="맑은 고딕" panose="020B0503020000020004" pitchFamily="50" charset="-127"/>
               </a:rPr>
               <a:t>반려동물 미용 정보 제공</a:t>
             </a:r>
@@ -9087,8 +9099,8 @@
                     <a:lumMod val="50000"/>
                   </a:schemeClr>
                 </a:solidFill>
-                <a:latin typeface="+mj-ea"/>
-                <a:ea typeface="+mj-ea"/>
+                <a:latin typeface="맑은 고딕" panose="020B0503020000020004" pitchFamily="50" charset="-127"/>
+                <a:ea typeface="맑은 고딕" panose="020B0503020000020004" pitchFamily="50" charset="-127"/>
               </a:rPr>
               <a:t> </a:t>
             </a:r>
@@ -9099,8 +9111,8 @@
                     <a:lumMod val="50000"/>
                   </a:schemeClr>
                 </a:solidFill>
-                <a:latin typeface="+mj-ea"/>
-                <a:ea typeface="+mj-ea"/>
+                <a:latin typeface="맑은 고딕" panose="020B0503020000020004" pitchFamily="50" charset="-127"/>
+                <a:ea typeface="맑은 고딕" panose="020B0503020000020004" pitchFamily="50" charset="-127"/>
               </a:rPr>
               <a:t>서비스 </a:t>
             </a:r>
@@ -9146,8 +9158,8 @@
                     <a:lumMod val="50000"/>
                   </a:schemeClr>
                 </a:solidFill>
-                <a:latin typeface="+mj-ea"/>
-                <a:ea typeface="+mj-ea"/>
+                <a:latin typeface="맑은 고딕" panose="020B0503020000020004" pitchFamily="50" charset="-127"/>
+                <a:ea typeface="맑은 고딕" panose="020B0503020000020004" pitchFamily="50" charset="-127"/>
               </a:rPr>
               <a:t>반려동물 소유자와 미용실</a:t>
             </a:r>
@@ -9158,8 +9170,8 @@
                     <a:lumMod val="50000"/>
                   </a:schemeClr>
                 </a:solidFill>
-                <a:latin typeface="+mj-ea"/>
-                <a:ea typeface="+mj-ea"/>
+                <a:latin typeface="맑은 고딕" panose="020B0503020000020004" pitchFamily="50" charset="-127"/>
+                <a:ea typeface="맑은 고딕" panose="020B0503020000020004" pitchFamily="50" charset="-127"/>
               </a:rPr>
               <a:t> </a:t>
             </a:r>
@@ -9170,8 +9182,8 @@
                     <a:lumMod val="50000"/>
                   </a:schemeClr>
                 </a:solidFill>
-                <a:latin typeface="+mj-ea"/>
-                <a:ea typeface="+mj-ea"/>
+                <a:latin typeface="맑은 고딕" panose="020B0503020000020004" pitchFamily="50" charset="-127"/>
+                <a:ea typeface="맑은 고딕" panose="020B0503020000020004" pitchFamily="50" charset="-127"/>
               </a:rPr>
               <a:t>운영자를 연결하는 웹 애플리케이션 </a:t>
             </a:r>
@@ -9181,8 +9193,8 @@
                   <a:lumMod val="50000"/>
                 </a:schemeClr>
               </a:solidFill>
-              <a:latin typeface="+mj-ea"/>
-              <a:ea typeface="+mj-ea"/>
+              <a:latin typeface="맑은 고딕" panose="020B0503020000020004" pitchFamily="50" charset="-127"/>
+              <a:ea typeface="맑은 고딕" panose="020B0503020000020004" pitchFamily="50" charset="-127"/>
             </a:endParaRPr>
           </a:p>
           <a:p>
@@ -9196,8 +9208,8 @@
                   <a:lumMod val="50000"/>
                 </a:schemeClr>
               </a:solidFill>
-              <a:latin typeface="+mj-ea"/>
-              <a:ea typeface="+mj-ea"/>
+              <a:latin typeface="맑은 고딕" panose="020B0503020000020004" pitchFamily="50" charset="-127"/>
+              <a:ea typeface="맑은 고딕" panose="020B0503020000020004" pitchFamily="50" charset="-127"/>
             </a:endParaRPr>
           </a:p>
           <a:p>
@@ -9212,8 +9224,8 @@
                     <a:lumMod val="50000"/>
                   </a:schemeClr>
                 </a:solidFill>
-                <a:latin typeface="+mj-ea"/>
-                <a:ea typeface="+mj-ea"/>
+                <a:latin typeface="맑은 고딕" panose="020B0503020000020004" pitchFamily="50" charset="-127"/>
+                <a:ea typeface="맑은 고딕" panose="020B0503020000020004" pitchFamily="50" charset="-127"/>
               </a:rPr>
               <a:t>사용자가 </a:t>
             </a:r>
@@ -9224,8 +9236,8 @@
                     <a:lumMod val="50000"/>
                   </a:schemeClr>
                 </a:solidFill>
-                <a:latin typeface="+mj-ea"/>
-                <a:ea typeface="+mj-ea"/>
+                <a:latin typeface="맑은 고딕" panose="020B0503020000020004" pitchFamily="50" charset="-127"/>
+                <a:ea typeface="맑은 고딕" panose="020B0503020000020004" pitchFamily="50" charset="-127"/>
               </a:rPr>
               <a:t>별점과</a:t>
             </a:r>
@@ -9236,8 +9248,8 @@
                     <a:lumMod val="50000"/>
                   </a:schemeClr>
                 </a:solidFill>
-                <a:latin typeface="+mj-ea"/>
-                <a:ea typeface="+mj-ea"/>
+                <a:latin typeface="맑은 고딕" panose="020B0503020000020004" pitchFamily="50" charset="-127"/>
+                <a:ea typeface="맑은 고딕" panose="020B0503020000020004" pitchFamily="50" charset="-127"/>
               </a:rPr>
               <a:t> 리뷰를 기반으로 원하는 애견 미용실을 찾을 수 있도록 도와줍니다</a:t>
             </a:r>
@@ -9248,8 +9260,8 @@
                     <a:lumMod val="50000"/>
                   </a:schemeClr>
                 </a:solidFill>
-                <a:latin typeface="+mj-ea"/>
-                <a:ea typeface="+mj-ea"/>
+                <a:latin typeface="맑은 고딕" panose="020B0503020000020004" pitchFamily="50" charset="-127"/>
+                <a:ea typeface="맑은 고딕" panose="020B0503020000020004" pitchFamily="50" charset="-127"/>
               </a:rPr>
               <a:t>.</a:t>
             </a:r>
@@ -9265,8 +9277,8 @@
                   <a:lumMod val="50000"/>
                 </a:schemeClr>
               </a:solidFill>
-              <a:latin typeface="+mj-ea"/>
-              <a:ea typeface="+mj-ea"/>
+              <a:latin typeface="맑은 고딕" panose="020B0503020000020004" pitchFamily="50" charset="-127"/>
+              <a:ea typeface="맑은 고딕" panose="020B0503020000020004" pitchFamily="50" charset="-127"/>
             </a:endParaRPr>
           </a:p>
         </p:txBody>
@@ -9540,8 +9552,8 @@
                 <a:solidFill>
                   <a:schemeClr val="accent1"/>
                 </a:solidFill>
-                <a:latin typeface="+mj-ea"/>
-                <a:ea typeface="+mj-ea"/>
+                <a:latin typeface="맑은 고딕" panose="020B0503020000020004" pitchFamily="50" charset="-127"/>
+                <a:ea typeface="맑은 고딕" panose="020B0503020000020004" pitchFamily="50" charset="-127"/>
               </a:rPr>
               <a:t>Part 1</a:t>
             </a:r>
@@ -9549,8 +9561,8 @@
               <a:solidFill>
                 <a:schemeClr val="accent1"/>
               </a:solidFill>
-              <a:latin typeface="+mj-ea"/>
-              <a:ea typeface="+mj-ea"/>
+              <a:latin typeface="맑은 고딕" panose="020B0503020000020004" pitchFamily="50" charset="-127"/>
+              <a:ea typeface="맑은 고딕" panose="020B0503020000020004" pitchFamily="50" charset="-127"/>
             </a:endParaRPr>
           </a:p>
         </p:txBody>
@@ -9588,8 +9600,8 @@
                 <a:solidFill>
                   <a:schemeClr val="accent1"/>
                 </a:solidFill>
-                <a:latin typeface="+mj-ea"/>
-                <a:ea typeface="+mj-ea"/>
+                <a:latin typeface="맑은 고딕" panose="020B0503020000020004" pitchFamily="50" charset="-127"/>
+                <a:ea typeface="맑은 고딕" panose="020B0503020000020004" pitchFamily="50" charset="-127"/>
               </a:rPr>
               <a:t>반려동물 시장의 중요성</a:t>
             </a:r>
@@ -9667,14 +9679,14 @@
           <a:p>
             <a:r>
               <a:rPr lang="en-US" altLang="ko-KR" dirty="0">
-                <a:latin typeface="+mj-ea"/>
-                <a:ea typeface="+mj-ea"/>
+                <a:latin typeface="맑은 고딕" panose="020B0503020000020004" pitchFamily="50" charset="-127"/>
+                <a:ea typeface="맑은 고딕" panose="020B0503020000020004" pitchFamily="50" charset="-127"/>
               </a:rPr>
               <a:t>&gt;</a:t>
             </a:r>
             <a:endParaRPr lang="ko-KR" altLang="en-US" dirty="0">
-              <a:latin typeface="+mj-ea"/>
-              <a:ea typeface="+mj-ea"/>
+              <a:latin typeface="맑은 고딕" panose="020B0503020000020004" pitchFamily="50" charset="-127"/>
+              <a:ea typeface="맑은 고딕" panose="020B0503020000020004" pitchFamily="50" charset="-127"/>
             </a:endParaRPr>
           </a:p>
         </p:txBody>
@@ -9713,8 +9725,8 @@
                 <a:solidFill>
                   <a:schemeClr val="bg1"/>
                 </a:solidFill>
-                <a:latin typeface="+mj-ea"/>
-                <a:ea typeface="+mj-ea"/>
+                <a:latin typeface="맑은 고딕" panose="020B0503020000020004" pitchFamily="50" charset="-127"/>
+                <a:ea typeface="맑은 고딕" panose="020B0503020000020004" pitchFamily="50" charset="-127"/>
               </a:rPr>
               <a:t>이미지</a:t>
             </a:r>
@@ -9755,8 +9767,8 @@
                 <a:solidFill>
                   <a:schemeClr val="bg1"/>
                 </a:solidFill>
-                <a:latin typeface="+mj-ea"/>
-                <a:ea typeface="+mj-ea"/>
+                <a:latin typeface="맑은 고딕" panose="020B0503020000020004" pitchFamily="50" charset="-127"/>
+                <a:ea typeface="맑은 고딕" panose="020B0503020000020004" pitchFamily="50" charset="-127"/>
               </a:rPr>
               <a:t>이미지</a:t>
             </a:r>
@@ -9794,8 +9806,8 @@
             <a:pPr algn="ctr"/>
             <a:r>
               <a:rPr lang="ko-KR" altLang="en-US" sz="2000" b="1" dirty="0">
-                <a:latin typeface="+mj-ea"/>
-                <a:ea typeface="+mj-ea"/>
+                <a:latin typeface="맑은 고딕" panose="020B0503020000020004" pitchFamily="50" charset="-127"/>
+                <a:ea typeface="맑은 고딕" panose="020B0503020000020004" pitchFamily="50" charset="-127"/>
               </a:rPr>
               <a:t>반려동물 보유가구 증가</a:t>
             </a:r>
@@ -9841,8 +9853,8 @@
             <a:r>
               <a:rPr lang="ko-KR" sz="2000" b="1" kern="100" dirty="0">
                 <a:effectLst/>
-                <a:latin typeface="+mj-ea"/>
-                <a:ea typeface="+mj-ea"/>
+                <a:latin typeface="맑은 고딕" panose="020B0503020000020004" pitchFamily="50" charset="-127"/>
+                <a:ea typeface="맑은 고딕" panose="020B0503020000020004" pitchFamily="50" charset="-127"/>
                 <a:cs typeface="Times New Roman" panose="02020603050405020304" pitchFamily="18" charset="0"/>
               </a:rPr>
               <a:t>반려동물 산업의 </a:t>
@@ -9850,16 +9862,16 @@
             <a:r>
               <a:rPr lang="ko-KR" altLang="en-US" sz="2000" b="1" kern="100" dirty="0">
                 <a:effectLst/>
-                <a:latin typeface="+mj-ea"/>
-                <a:ea typeface="+mj-ea"/>
+                <a:latin typeface="맑은 고딕" panose="020B0503020000020004" pitchFamily="50" charset="-127"/>
+                <a:ea typeface="맑은 고딕" panose="020B0503020000020004" pitchFamily="50" charset="-127"/>
                 <a:cs typeface="Times New Roman" panose="02020603050405020304" pitchFamily="18" charset="0"/>
               </a:rPr>
               <a:t>지속적 성장</a:t>
             </a:r>
             <a:endParaRPr lang="en-US" altLang="ko-KR" sz="2000" b="1" kern="100" dirty="0">
               <a:effectLst/>
-              <a:latin typeface="+mj-ea"/>
-              <a:ea typeface="+mj-ea"/>
+              <a:latin typeface="맑은 고딕" panose="020B0503020000020004" pitchFamily="50" charset="-127"/>
+              <a:ea typeface="맑은 고딕" panose="020B0503020000020004" pitchFamily="50" charset="-127"/>
               <a:cs typeface="Times New Roman" panose="02020603050405020304" pitchFamily="18" charset="0"/>
             </a:endParaRPr>
           </a:p>
@@ -10033,8 +10045,8 @@
                   <a:solidFill>
                     <a:schemeClr val="bg1"/>
                   </a:solidFill>
-                  <a:latin typeface="+mj-ea"/>
-                  <a:ea typeface="+mj-ea"/>
+                  <a:latin typeface="맑은 고딕" panose="020B0503020000020004" pitchFamily="50" charset="-127"/>
+                  <a:ea typeface="맑은 고딕" panose="020B0503020000020004" pitchFamily="50" charset="-127"/>
                 </a:rPr>
                 <a:t>2</a:t>
               </a:r>
@@ -10042,8 +10054,8 @@
                 <a:solidFill>
                   <a:schemeClr val="bg1"/>
                 </a:solidFill>
-                <a:latin typeface="+mj-ea"/>
-                <a:ea typeface="+mj-ea"/>
+                <a:latin typeface="맑은 고딕" panose="020B0503020000020004" pitchFamily="50" charset="-127"/>
+                <a:ea typeface="맑은 고딕" panose="020B0503020000020004" pitchFamily="50" charset="-127"/>
               </a:endParaRPr>
             </a:p>
           </p:txBody>
@@ -10081,8 +10093,8 @@
                   <a:solidFill>
                     <a:schemeClr val="bg1"/>
                   </a:solidFill>
-                  <a:latin typeface="+mj-ea"/>
-                  <a:ea typeface="+mj-ea"/>
+                  <a:latin typeface="맑은 고딕" panose="020B0503020000020004" pitchFamily="50" charset="-127"/>
+                  <a:ea typeface="맑은 고딕" panose="020B0503020000020004" pitchFamily="50" charset="-127"/>
                 </a:rPr>
                 <a:t>문제 정의 </a:t>
               </a:r>
@@ -10091,8 +10103,8 @@
                   <a:solidFill>
                     <a:schemeClr val="bg1"/>
                   </a:solidFill>
-                  <a:latin typeface="+mj-ea"/>
-                  <a:ea typeface="+mj-ea"/>
+                  <a:latin typeface="맑은 고딕" panose="020B0503020000020004" pitchFamily="50" charset="-127"/>
+                  <a:ea typeface="맑은 고딕" panose="020B0503020000020004" pitchFamily="50" charset="-127"/>
                 </a:rPr>
                 <a:t>/ </a:t>
               </a:r>
@@ -10101,8 +10113,8 @@
                   <a:solidFill>
                     <a:schemeClr val="bg1"/>
                   </a:solidFill>
-                  <a:latin typeface="+mj-ea"/>
-                  <a:ea typeface="+mj-ea"/>
+                  <a:latin typeface="맑은 고딕" panose="020B0503020000020004" pitchFamily="50" charset="-127"/>
+                  <a:ea typeface="맑은 고딕" panose="020B0503020000020004" pitchFamily="50" charset="-127"/>
                 </a:rPr>
                 <a:t>기회</a:t>
               </a:r>
@@ -10272,8 +10284,8 @@
                     <a:lumMod val="50000"/>
                   </a:schemeClr>
                 </a:solidFill>
-                <a:latin typeface="+mj-ea"/>
-                <a:ea typeface="+mj-ea"/>
+                <a:latin typeface="맑은 고딕" panose="020B0503020000020004" pitchFamily="50" charset="-127"/>
+                <a:ea typeface="맑은 고딕" panose="020B0503020000020004" pitchFamily="50" charset="-127"/>
               </a:rPr>
               <a:t>2. </a:t>
             </a:r>
@@ -10284,8 +10296,8 @@
                     <a:lumMod val="50000"/>
                   </a:schemeClr>
                 </a:solidFill>
-                <a:latin typeface="+mj-ea"/>
-                <a:ea typeface="+mj-ea"/>
+                <a:latin typeface="맑은 고딕" panose="020B0503020000020004" pitchFamily="50" charset="-127"/>
+                <a:ea typeface="맑은 고딕" panose="020B0503020000020004" pitchFamily="50" charset="-127"/>
               </a:rPr>
               <a:t>문제 정의</a:t>
             </a:r>
@@ -10331,8 +10343,8 @@
                     <a:lumMod val="50000"/>
                   </a:schemeClr>
                 </a:solidFill>
-                <a:latin typeface="+mj-ea"/>
-                <a:ea typeface="+mj-ea"/>
+                <a:latin typeface="맑은 고딕" panose="020B0503020000020004" pitchFamily="50" charset="-127"/>
+                <a:ea typeface="맑은 고딕" panose="020B0503020000020004" pitchFamily="50" charset="-127"/>
               </a:rPr>
               <a:t>반려동물 미용의 경우 음식점등 일반 가게에 비해 </a:t>
             </a:r>
@@ -10343,8 +10355,8 @@
                     <a:lumMod val="50000"/>
                   </a:schemeClr>
                 </a:solidFill>
-                <a:latin typeface="+mj-ea"/>
-                <a:ea typeface="+mj-ea"/>
+                <a:latin typeface="맑은 고딕" panose="020B0503020000020004" pitchFamily="50" charset="-127"/>
+                <a:ea typeface="맑은 고딕" panose="020B0503020000020004" pitchFamily="50" charset="-127"/>
               </a:rPr>
               <a:t>별점</a:t>
             </a:r>
@@ -10355,8 +10367,8 @@
                     <a:lumMod val="50000"/>
                   </a:schemeClr>
                 </a:solidFill>
-                <a:latin typeface="+mj-ea"/>
-                <a:ea typeface="+mj-ea"/>
+                <a:latin typeface="맑은 고딕" panose="020B0503020000020004" pitchFamily="50" charset="-127"/>
+                <a:ea typeface="맑은 고딕" panose="020B0503020000020004" pitchFamily="50" charset="-127"/>
               </a:rPr>
               <a:t>/</a:t>
             </a:r>
@@ -10367,8 +10379,8 @@
                     <a:lumMod val="50000"/>
                   </a:schemeClr>
                 </a:solidFill>
-                <a:latin typeface="+mj-ea"/>
-                <a:ea typeface="+mj-ea"/>
+                <a:latin typeface="맑은 고딕" panose="020B0503020000020004" pitchFamily="50" charset="-127"/>
+                <a:ea typeface="맑은 고딕" panose="020B0503020000020004" pitchFamily="50" charset="-127"/>
               </a:rPr>
               <a:t>리뷰 서비스가 저조</a:t>
             </a:r>
@@ -10378,8 +10390,8 @@
                   <a:lumMod val="50000"/>
                 </a:schemeClr>
               </a:solidFill>
-              <a:latin typeface="+mj-ea"/>
-              <a:ea typeface="+mj-ea"/>
+              <a:latin typeface="맑은 고딕" panose="020B0503020000020004" pitchFamily="50" charset="-127"/>
+              <a:ea typeface="맑은 고딕" panose="020B0503020000020004" pitchFamily="50" charset="-127"/>
             </a:endParaRPr>
           </a:p>
           <a:p>
@@ -10393,8 +10405,8 @@
                   <a:lumMod val="50000"/>
                 </a:schemeClr>
               </a:solidFill>
-              <a:latin typeface="+mj-ea"/>
-              <a:ea typeface="+mj-ea"/>
+              <a:latin typeface="맑은 고딕" panose="020B0503020000020004" pitchFamily="50" charset="-127"/>
+              <a:ea typeface="맑은 고딕" panose="020B0503020000020004" pitchFamily="50" charset="-127"/>
             </a:endParaRPr>
           </a:p>
           <a:p>
@@ -10409,8 +10421,8 @@
                     <a:lumMod val="50000"/>
                   </a:schemeClr>
                 </a:solidFill>
-                <a:latin typeface="+mj-ea"/>
-                <a:ea typeface="+mj-ea"/>
+                <a:latin typeface="맑은 고딕" panose="020B0503020000020004" pitchFamily="50" charset="-127"/>
+                <a:ea typeface="맑은 고딕" panose="020B0503020000020004" pitchFamily="50" charset="-127"/>
               </a:rPr>
               <a:t>반려동물 소유자 입장에서 적절한 미용 서비스</a:t>
             </a:r>
@@ -10421,8 +10433,8 @@
                     <a:lumMod val="50000"/>
                   </a:schemeClr>
                 </a:solidFill>
-                <a:latin typeface="+mj-ea"/>
-                <a:ea typeface="+mj-ea"/>
+                <a:latin typeface="맑은 고딕" panose="020B0503020000020004" pitchFamily="50" charset="-127"/>
+                <a:ea typeface="맑은 고딕" panose="020B0503020000020004" pitchFamily="50" charset="-127"/>
               </a:rPr>
               <a:t>/</a:t>
             </a:r>
@@ -10433,8 +10445,8 @@
                     <a:lumMod val="50000"/>
                   </a:schemeClr>
                 </a:solidFill>
-                <a:latin typeface="+mj-ea"/>
-                <a:ea typeface="+mj-ea"/>
+                <a:latin typeface="맑은 고딕" panose="020B0503020000020004" pitchFamily="50" charset="-127"/>
+                <a:ea typeface="맑은 고딕" panose="020B0503020000020004" pitchFamily="50" charset="-127"/>
               </a:rPr>
               <a:t>예약 관련의 불편함이 있음</a:t>
             </a:r>
@@ -10444,8 +10456,8 @@
                   <a:lumMod val="50000"/>
                 </a:schemeClr>
               </a:solidFill>
-              <a:latin typeface="+mj-ea"/>
-              <a:ea typeface="+mj-ea"/>
+              <a:latin typeface="맑은 고딕" panose="020B0503020000020004" pitchFamily="50" charset="-127"/>
+              <a:ea typeface="맑은 고딕" panose="020B0503020000020004" pitchFamily="50" charset="-127"/>
             </a:endParaRPr>
           </a:p>
         </p:txBody>
